--- a/Y_Wang_Final_Project_Presentation.pptx
+++ b/Y_Wang_Final_Project_Presentation.pptx
@@ -5,22 +5,25 @@
     <p:sldMasterId id="2147483648" r:id="rId1"/>
   </p:sldMasterIdLst>
   <p:notesMasterIdLst>
-    <p:notesMasterId r:id="rId8"/>
+    <p:notesMasterId r:id="rId6"/>
   </p:notesMasterIdLst>
+  <p:handoutMasterIdLst>
+    <p:handoutMasterId r:id="rId22"/>
+  </p:handoutMasterIdLst>
   <p:sldIdLst>
     <p:sldId id="409" r:id="rId3"/>
     <p:sldId id="410" r:id="rId4"/>
     <p:sldId id="411" r:id="rId5"/>
-    <p:sldId id="412" r:id="rId6"/>
-    <p:sldId id="413" r:id="rId7"/>
+    <p:sldId id="412" r:id="rId7"/>
+    <p:sldId id="413" r:id="rId8"/>
     <p:sldId id="425" r:id="rId9"/>
     <p:sldId id="424" r:id="rId10"/>
     <p:sldId id="415" r:id="rId11"/>
     <p:sldId id="426" r:id="rId12"/>
     <p:sldId id="414" r:id="rId13"/>
     <p:sldId id="416" r:id="rId14"/>
-    <p:sldId id="417" r:id="rId15"/>
-    <p:sldId id="418" r:id="rId16"/>
+    <p:sldId id="418" r:id="rId15"/>
+    <p:sldId id="417" r:id="rId16"/>
     <p:sldId id="419" r:id="rId17"/>
     <p:sldId id="420" r:id="rId18"/>
     <p:sldId id="421" r:id="rId19"/>
@@ -127,6 +130,164 @@
 </p:presentation>
 </file>
 
+<file path=ppt/handoutMasters/handoutMaster1.xml><?xml version="1.0" encoding="utf-8"?>
+<p:handoutMaster xmlns:a="http://schemas.openxmlformats.org/drawingml/2006/main" xmlns:r="http://schemas.openxmlformats.org/officeDocument/2006/relationships" xmlns:p="http://schemas.openxmlformats.org/presentationml/2006/main">
+  <p:cSld>
+    <p:bg>
+      <p:bgRef idx="1001">
+        <a:schemeClr val="bg1"/>
+      </p:bgRef>
+    </p:bg>
+    <p:spTree>
+      <p:nvGrpSpPr>
+        <p:cNvPr id="1" name=""/>
+        <p:cNvGrpSpPr/>
+        <p:nvPr/>
+      </p:nvGrpSpPr>
+      <p:grpSpPr>
+        <a:xfrm>
+          <a:off x="0" y="0"/>
+          <a:ext cx="0" cy="0"/>
+          <a:chOff x="0" y="0"/>
+          <a:chExt cx="0" cy="0"/>
+        </a:xfrm>
+      </p:grpSpPr>
+      <p:sp>
+        <p:nvSpPr>
+          <p:cNvPr id="2" name="页眉占位符 1"/>
+          <p:cNvSpPr>
+            <a:spLocks noGrp="1"/>
+          </p:cNvSpPr>
+          <p:nvPr>
+            <p:ph type="hdr" sz="quarter"/>
+          </p:nvPr>
+        </p:nvSpPr>
+        <p:spPr>
+          <a:xfrm>
+            <a:off x="0" y="0"/>
+            <a:ext cx="2971800" cy="458788"/>
+          </a:xfrm>
+          <a:prstGeom prst="rect">
+            <a:avLst/>
+          </a:prstGeom>
+        </p:spPr>
+        <p:txBody>
+          <a:bodyPr vert="horz" lIns="91440" tIns="45720" rIns="91440" bIns="45720" rtlCol="0"/>
+          <a:lstStyle>
+            <a:lvl1pPr algn="l">
+              <a:defRPr sz="1200"/>
+            </a:lvl1pPr>
+          </a:lstStyle>
+          <a:p>
+            <a:endParaRPr lang="zh-CN" altLang="en-US"/>
+          </a:p>
+        </p:txBody>
+      </p:sp>
+      <p:sp>
+        <p:nvSpPr>
+          <p:cNvPr id="3" name="日期占位符 2"/>
+          <p:cNvSpPr>
+            <a:spLocks noGrp="1"/>
+          </p:cNvSpPr>
+          <p:nvPr>
+            <p:ph type="dt" sz="quarter" idx="1"/>
+          </p:nvPr>
+        </p:nvSpPr>
+        <p:spPr>
+          <a:xfrm>
+            <a:off x="3884613" y="0"/>
+            <a:ext cx="2971800" cy="458788"/>
+          </a:xfrm>
+          <a:prstGeom prst="rect">
+            <a:avLst/>
+          </a:prstGeom>
+        </p:spPr>
+        <p:txBody>
+          <a:bodyPr vert="horz" lIns="91440" tIns="45720" rIns="91440" bIns="45720" rtlCol="0"/>
+          <a:lstStyle>
+            <a:lvl1pPr algn="r">
+              <a:defRPr sz="1200"/>
+            </a:lvl1pPr>
+          </a:lstStyle>
+          <a:p>
+            <a:fld id="{0F9B84EA-7D68-4D60-9CB1-D50884785D1C}" type="datetimeFigureOut">
+              <a:rPr lang="zh-CN" altLang="en-US" smtClean="0"/>
+            </a:fld>
+            <a:endParaRPr lang="zh-CN" altLang="en-US"/>
+          </a:p>
+        </p:txBody>
+      </p:sp>
+      <p:sp>
+        <p:nvSpPr>
+          <p:cNvPr id="4" name="页脚占位符 3"/>
+          <p:cNvSpPr>
+            <a:spLocks noGrp="1"/>
+          </p:cNvSpPr>
+          <p:nvPr>
+            <p:ph type="ftr" sz="quarter" idx="2"/>
+          </p:nvPr>
+        </p:nvSpPr>
+        <p:spPr>
+          <a:xfrm>
+            <a:off x="0" y="8685213"/>
+            <a:ext cx="2971800" cy="458787"/>
+          </a:xfrm>
+          <a:prstGeom prst="rect">
+            <a:avLst/>
+          </a:prstGeom>
+        </p:spPr>
+        <p:txBody>
+          <a:bodyPr vert="horz" lIns="91440" tIns="45720" rIns="91440" bIns="45720" rtlCol="0" anchor="b"/>
+          <a:lstStyle>
+            <a:lvl1pPr algn="l">
+              <a:defRPr sz="1200"/>
+            </a:lvl1pPr>
+          </a:lstStyle>
+          <a:p>
+            <a:endParaRPr lang="zh-CN" altLang="en-US"/>
+          </a:p>
+        </p:txBody>
+      </p:sp>
+      <p:sp>
+        <p:nvSpPr>
+          <p:cNvPr id="5" name="灯片编号占位符 4"/>
+          <p:cNvSpPr>
+            <a:spLocks noGrp="1"/>
+          </p:cNvSpPr>
+          <p:nvPr>
+            <p:ph type="sldNum" sz="quarter" idx="3"/>
+          </p:nvPr>
+        </p:nvSpPr>
+        <p:spPr>
+          <a:xfrm>
+            <a:off x="3884613" y="8685213"/>
+            <a:ext cx="2971800" cy="458787"/>
+          </a:xfrm>
+          <a:prstGeom prst="rect">
+            <a:avLst/>
+          </a:prstGeom>
+        </p:spPr>
+        <p:txBody>
+          <a:bodyPr vert="horz" lIns="91440" tIns="45720" rIns="91440" bIns="45720" rtlCol="0" anchor="b"/>
+          <a:lstStyle>
+            <a:lvl1pPr algn="r">
+              <a:defRPr sz="1200"/>
+            </a:lvl1pPr>
+          </a:lstStyle>
+          <a:p>
+            <a:fld id="{8D4E0FC9-F1F8-4FAE-9988-3BA365CFD46F}" type="slidenum">
+              <a:rPr lang="zh-CN" altLang="en-US" smtClean="0"/>
+            </a:fld>
+            <a:endParaRPr lang="zh-CN" altLang="en-US"/>
+          </a:p>
+        </p:txBody>
+      </p:sp>
+    </p:spTree>
+  </p:cSld>
+  <p:clrMap bg1="lt1" tx1="dk1" bg2="lt2" tx2="dk2" accent1="accent1" accent2="accent2" accent3="accent3" accent4="accent4" accent5="accent5" accent6="accent6" hlink="hlink" folHlink="folHlink"/>
+</p:handoutMaster>
+</file>
+
 <file path=ppt/notesMasters/notesMaster1.xml><?xml version="1.0" encoding="utf-8"?>
 <p:notesMaster xmlns:a="http://schemas.openxmlformats.org/drawingml/2006/main" xmlns:r="http://schemas.openxmlformats.org/officeDocument/2006/relationships" xmlns:p="http://schemas.openxmlformats.org/presentationml/2006/main">
   <p:cSld>
@@ -506,15 +667,6 @@
         <p:txBody>
           <a:bodyPr/>
           <a:p>
-            <a:r>
-              <a:rPr lang="en-US" altLang="zh-CN">
-                <a:sym typeface="+mn-ea"/>
-              </a:rPr>
-              <a:t>The COVID-19 affects the price/sqft of big cities (New York and Los Angeles) obivously. </a:t>
-            </a:r>
-            <a:endParaRPr lang="en-US" altLang="zh-CN"/>
-          </a:p>
-          <a:p>
             <a:endParaRPr lang="zh-CN" altLang="en-US"/>
           </a:p>
         </p:txBody>
@@ -659,6 +811,50 @@
 </p:notes>
 </file>
 
+<file path=ppt/notesSlides/notesSlide13.xml><?xml version="1.0" encoding="utf-8"?>
+<p:notes xmlns:a="http://schemas.openxmlformats.org/drawingml/2006/main" xmlns:r="http://schemas.openxmlformats.org/officeDocument/2006/relationships" xmlns:p="http://schemas.openxmlformats.org/presentationml/2006/main">
+  <p:cSld>
+    <p:spTree>
+      <p:nvGrpSpPr>
+        <p:cNvPr id="1" name=""/>
+        <p:cNvGrpSpPr/>
+        <p:nvPr/>
+      </p:nvGrpSpPr>
+      <p:grpSpPr/>
+      <p:sp>
+        <p:nvSpPr>
+          <p:cNvPr id="2" name="幻灯片图像占位符 1"/>
+          <p:cNvSpPr/>
+          <p:nvPr>
+            <p:ph type="sldImg" idx="2"/>
+          </p:nvPr>
+        </p:nvSpPr>
+        <p:spPr/>
+      </p:sp>
+      <p:sp>
+        <p:nvSpPr>
+          <p:cNvPr id="3" name="文本占位符 2"/>
+          <p:cNvSpPr/>
+          <p:nvPr>
+            <p:ph type="body" idx="3"/>
+          </p:nvPr>
+        </p:nvSpPr>
+        <p:spPr/>
+        <p:txBody>
+          <a:bodyPr/>
+          <a:p>
+            <a:endParaRPr lang="zh-CN" altLang="en-US"/>
+          </a:p>
+        </p:txBody>
+      </p:sp>
+    </p:spTree>
+  </p:cSld>
+  <p:clrMapOvr>
+    <a:masterClrMapping/>
+  </p:clrMapOvr>
+</p:notes>
+</file>
+
 <file path=ppt/notesSlides/notesSlide2.xml><?xml version="1.0" encoding="utf-8"?>
 <p:notes xmlns:a="http://schemas.openxmlformats.org/drawingml/2006/main" xmlns:r="http://schemas.openxmlformats.org/officeDocument/2006/relationships" xmlns:p="http://schemas.openxmlformats.org/presentationml/2006/main">
   <p:cSld>
@@ -692,29 +888,14 @@
           <a:bodyPr/>
           <a:p>
             <a:r>
-              <a:rPr lang="zh-CN" altLang="en-US"/>
-              <a:t>The COVID-19 has a possitive influence on the price/sqft of Los Angeles. With the daily cases increasing to over 7500 from early November. The property market is Rebounding. The price/sqft of Los Angeles is over 517.</a:t>
-            </a:r>
-            <a:endParaRPr lang="zh-CN" altLang="en-US"/>
-          </a:p>
-          <a:p>
-            <a:endParaRPr lang="zh-CN" altLang="en-US"/>
-          </a:p>
-          <a:p>
-            <a:r>
-              <a:rPr lang="zh-CN" altLang="en-US"/>
-              <a:t>The COVID-19 has a possitive influence on the price/sqft of New York. From January to June, the price/sqft of New York is stability, because COVID-19 is under better control. The daily cases are around 300 cases. The price/sqft of New York has fallen to 676 because the daily cases have increased to over 500.</a:t>
-            </a:r>
-            <a:endParaRPr lang="zh-CN" altLang="en-US"/>
-          </a:p>
-          <a:p>
-            <a:endParaRPr lang="zh-CN" altLang="en-US"/>
-          </a:p>
-          <a:p>
-            <a:r>
-              <a:rPr lang="zh-CN" altLang="en-US"/>
-              <a:t>The COVID-19 does not affect the price/sqft in Houston. The change of the price/sqft is between 177 and 178. Even though the picture seems to be trending up, the change is too small.</a:t>
-            </a:r>
+              <a:rPr lang="en-US" altLang="zh-CN">
+                <a:sym typeface="+mn-ea"/>
+              </a:rPr>
+              <a:t>The COVID-19 affects the price/sqft of big cities (New York and Los Angeles) obivously. </a:t>
+            </a:r>
+            <a:endParaRPr lang="en-US" altLang="zh-CN"/>
+          </a:p>
+          <a:p>
             <a:endParaRPr lang="zh-CN" altLang="en-US"/>
           </a:p>
         </p:txBody>
@@ -760,10 +941,88 @@
           <a:bodyPr/>
           <a:p>
             <a:r>
+              <a:rPr lang="zh-CN" altLang="en-US"/>
+              <a:t>The COVID-19 has a positive influence on the </a:t>
+            </a:r>
+            <a:r>
               <a:rPr lang="en-US" altLang="zh-CN"/>
-              <a:t>If I got data of all counties, this map can be a better visulazition.</a:t>
-            </a:r>
-            <a:endParaRPr lang="en-US" altLang="zh-CN"/>
+              <a:t>property </a:t>
+            </a:r>
+            <a:r>
+              <a:rPr lang="zh-CN" altLang="en-US"/>
+              <a:t>price/sqft of Los Angeles. With the daily cases increasing to over 7500 from early November. The property market is Rebounding. The price/sqft of Los Angeles is over 517.</a:t>
+            </a:r>
+            <a:endParaRPr lang="zh-CN" altLang="en-US"/>
+          </a:p>
+          <a:p>
+            <a:endParaRPr lang="zh-CN" altLang="en-US"/>
+          </a:p>
+          <a:p>
+            <a:r>
+              <a:rPr lang="zh-CN" altLang="en-US"/>
+              <a:t>The COVID-19 has a positive influence on the </a:t>
+            </a:r>
+            <a:r>
+              <a:rPr lang="en-US" altLang="zh-CN">
+                <a:sym typeface="+mn-ea"/>
+              </a:rPr>
+              <a:t>property </a:t>
+            </a:r>
+            <a:r>
+              <a:rPr lang="zh-CN" altLang="en-US"/>
+              <a:t>price/sqft of New York. From January to June, the </a:t>
+            </a:r>
+            <a:r>
+              <a:rPr lang="en-US" altLang="zh-CN">
+                <a:sym typeface="+mn-ea"/>
+              </a:rPr>
+              <a:t>property  </a:t>
+            </a:r>
+            <a:r>
+              <a:rPr lang="zh-CN" altLang="en-US"/>
+              <a:t>price/sqft of New York is stability, because COVID-19 is under better control. The daily cases are around 300 cases. The </a:t>
+            </a:r>
+            <a:r>
+              <a:rPr lang="en-US" altLang="zh-CN">
+                <a:sym typeface="+mn-ea"/>
+              </a:rPr>
+              <a:t>property</a:t>
+            </a:r>
+            <a:r>
+              <a:rPr lang="zh-CN" altLang="en-US"/>
+              <a:t> price/sqft of New York has fallen to 676 because the daily cases have increased to over 500.</a:t>
+            </a:r>
+            <a:endParaRPr lang="zh-CN" altLang="en-US"/>
+          </a:p>
+          <a:p>
+            <a:endParaRPr lang="zh-CN" altLang="en-US"/>
+          </a:p>
+          <a:p>
+            <a:r>
+              <a:rPr lang="zh-CN" altLang="en-US"/>
+              <a:t>The COVID-19 does not affect the </a:t>
+            </a:r>
+            <a:r>
+              <a:rPr lang="en-US" altLang="zh-CN">
+                <a:sym typeface="+mn-ea"/>
+              </a:rPr>
+              <a:t>property  </a:t>
+            </a:r>
+            <a:r>
+              <a:rPr lang="zh-CN" altLang="en-US"/>
+              <a:t>price/sqft in Houston. The change of the </a:t>
+            </a:r>
+            <a:r>
+              <a:rPr lang="en-US" altLang="zh-CN">
+                <a:sym typeface="+mn-ea"/>
+              </a:rPr>
+              <a:t>property </a:t>
+            </a:r>
+            <a:r>
+              <a:rPr lang="zh-CN" altLang="en-US"/>
+              <a:t>price/sqft is between 177 and 178. Even though the picture seems to be trending up, the change is too small.</a:t>
+            </a:r>
+            <a:endParaRPr lang="zh-CN" altLang="en-US"/>
           </a:p>
         </p:txBody>
       </p:sp>
@@ -808,15 +1067,10 @@
           <a:bodyPr/>
           <a:p>
             <a:r>
-              <a:rPr lang="en-US" altLang="zh-CN">
-                <a:sym typeface="+mn-ea"/>
-              </a:rPr>
-              <a:t>The COVID-19 has a negative influence on the price/sqft of Condos and Multi-family, but it has a possitive influence on the price/sqft of single-family.</a:t>
+              <a:rPr lang="en-US" altLang="zh-CN"/>
+              <a:t>If I got data of all counties, this map can be a better visulazition.</a:t>
             </a:r>
             <a:endParaRPr lang="en-US" altLang="zh-CN"/>
-          </a:p>
-          <a:p>
-            <a:endParaRPr lang="zh-CN" altLang="en-US"/>
           </a:p>
         </p:txBody>
       </p:sp>
@@ -861,29 +1115,14 @@
           <a:bodyPr/>
           <a:p>
             <a:r>
-              <a:rPr lang="zh-CN" altLang="en-US"/>
-              <a:t>The COVID-19 has a possitive influence on the price/sqft of single-family. In March, the price/sqft of single-family has risen to 418, because of the outbreak of a pandemic. The daily COVID-19 cases have reached over 40000. But the price has fallen to 411 because COVID-19 is under better control from June to late October.</a:t>
-            </a:r>
-            <a:endParaRPr lang="zh-CN" altLang="en-US"/>
-          </a:p>
-          <a:p>
-            <a:endParaRPr lang="zh-CN" altLang="en-US"/>
-          </a:p>
-          <a:p>
-            <a:r>
-              <a:rPr lang="zh-CN" altLang="en-US"/>
-              <a:t>The COVID-19 has a negative influence on the price/sqft of the condo. From January to June, the price/sqft of the condo is between 588 to 589. But the price/sqft of the condo has fallen to 579 because the 3rd peak of daily COVID-19 cases has reached over 200,000.</a:t>
-            </a:r>
-            <a:endParaRPr lang="zh-CN" altLang="en-US"/>
-          </a:p>
-          <a:p>
-            <a:endParaRPr lang="zh-CN" altLang="en-US"/>
-          </a:p>
-          <a:p>
-            <a:r>
-              <a:rPr lang="zh-CN" altLang="en-US"/>
-              <a:t>The COVID-19 has a negative influence on the price/sqft of multi-family. The price/sqft of multi-family kept fall to 395. Because the 3rd peak of daily COVID-19 cases has reached over 200,000.</a:t>
-            </a:r>
+              <a:rPr lang="en-US" altLang="zh-CN">
+                <a:sym typeface="+mn-ea"/>
+              </a:rPr>
+              <a:t>The COVID-19 has a negative influence on the price/sqft of Condos and Multi-family, but it has a positive influence on the price/sqft of single-family from November.</a:t>
+            </a:r>
+            <a:endParaRPr lang="en-US" altLang="zh-CN"/>
+          </a:p>
+          <a:p>
             <a:endParaRPr lang="zh-CN" altLang="en-US"/>
           </a:p>
         </p:txBody>
@@ -928,7 +1167,21 @@
         <p:txBody>
           <a:bodyPr/>
           <a:p>
-            <a:endParaRPr lang="zh-CN" altLang="en-US"/>
+            <a:r>
+              <a:t>The COVID-19 has a positive influence on the price/sqft of single-family from November. In March, the price/sqft of single-family has risen to 418, because of the outbreak of a pandemic. The daily COVID-19 cases have reached over 40000. But the price has fallen to 411 because COVID-19 is under better control from June to late October. From November, the price/sqft risen to 413.</a:t>
+            </a:r>
+          </a:p>
+          <a:p/>
+          <a:p>
+            <a:r>
+              <a:t>The COVID-19 has a negative influence on the price/sqft of the condo. From January to June, the price/sqft of the condo is between 588 to 589. But the price/sqft of the condo has fallen to 579 because the 3rd peak of daily COVID-19 cases has reached over 200,000.</a:t>
+            </a:r>
+          </a:p>
+          <a:p/>
+          <a:p>
+            <a:r>
+              <a:t>The COVID-19 has a negative influence on the price/sqft of multi-family. The price/sqft of multi-family kept fall to 395. Because the 3rd peak of daily COVID-19 cases has reached over 200,000 from November.</a:t>
+            </a:r>
           </a:p>
         </p:txBody>
       </p:sp>
@@ -5660,178 +5913,6 @@
         <p:spPr>
           <a:xfrm>
             <a:off x="1198880" y="914400"/>
-            <a:ext cx="9799320" cy="1377315"/>
-          </a:xfrm>
-        </p:spPr>
-        <p:txBody>
-          <a:bodyPr/>
-          <a:p>
-            <a:r>
-              <a:rPr lang="en-US" altLang="zh-CN" sz="4800"/>
-              <a:t>The big challenge</a:t>
-            </a:r>
-            <a:endParaRPr lang="en-US" altLang="zh-CN" sz="4800"/>
-          </a:p>
-        </p:txBody>
-      </p:sp>
-      <p:sp>
-        <p:nvSpPr>
-          <p:cNvPr id="3" name="副标题 2"/>
-          <p:cNvSpPr>
-            <a:spLocks noGrp="1"/>
-          </p:cNvSpPr>
-          <p:nvPr>
-            <p:ph type="subTitle" idx="1"/>
-            <p:custDataLst>
-              <p:tags r:id="rId2"/>
-            </p:custDataLst>
-          </p:nvPr>
-        </p:nvSpPr>
-        <p:spPr>
-          <a:xfrm>
-            <a:off x="1198880" y="2570480"/>
-            <a:ext cx="9799320" cy="3855085"/>
-          </a:xfrm>
-        </p:spPr>
-        <p:txBody>
-          <a:bodyPr>
-            <a:normAutofit/>
-          </a:bodyPr>
-          <a:p>
-            <a:pPr marL="285750" indent="-285750" algn="l">
-              <a:buFont typeface="Arial" panose="020B0604020202020204" pitchFamily="34" charset="0"/>
-              <a:buChar char="•"/>
-            </a:pPr>
-            <a:r>
-              <a:rPr lang="en-US" altLang="zh-CN"/>
-              <a:t>Scrape data from Realtor is illegal</a:t>
-            </a:r>
-            <a:endParaRPr lang="en-US" altLang="zh-CN"/>
-          </a:p>
-          <a:p>
-            <a:pPr marL="742950" lvl="1" indent="-285750" algn="l">
-              <a:buFont typeface="Arial" panose="020B0604020202020204" pitchFamily="34" charset="0"/>
-              <a:buChar char="•"/>
-            </a:pPr>
-            <a:r>
-              <a:rPr lang="en-US" altLang="zh-CN"/>
-              <a:t>I did not read the robot.txt at the beginning.</a:t>
-            </a:r>
-            <a:endParaRPr lang="en-US" altLang="zh-CN"/>
-          </a:p>
-          <a:p>
-            <a:pPr marL="742950" lvl="1" indent="-285750" algn="l">
-              <a:buFont typeface="Arial" panose="020B0604020202020204" pitchFamily="34" charset="0"/>
-              <a:buChar char="•"/>
-            </a:pPr>
-            <a:r>
-              <a:rPr lang="en-US" altLang="zh-CN"/>
-              <a:t>I spent 4 days to scrape data, before I read the robot.txt.</a:t>
-            </a:r>
-            <a:endParaRPr lang="en-US" altLang="zh-CN"/>
-          </a:p>
-          <a:p>
-            <a:pPr marL="285750" lvl="0" indent="-285750" algn="l">
-              <a:buFont typeface="Arial" panose="020B0604020202020204" pitchFamily="34" charset="0"/>
-              <a:buChar char="•"/>
-            </a:pPr>
-            <a:r>
-              <a:rPr lang="en-US" altLang="zh-CN"/>
-              <a:t>Use API to get data</a:t>
-            </a:r>
-            <a:endParaRPr lang="en-US" altLang="zh-CN"/>
-          </a:p>
-          <a:p>
-            <a:pPr marL="742950" lvl="1" indent="-285750" algn="l">
-              <a:buFont typeface="Arial" panose="020B0604020202020204" pitchFamily="34" charset="0"/>
-              <a:buChar char="•"/>
-            </a:pPr>
-            <a:r>
-              <a:rPr lang="en-US" altLang="zh-CN"/>
-              <a:t>Many API can not get history prices</a:t>
-            </a:r>
-            <a:endParaRPr lang="en-US" altLang="zh-CN"/>
-          </a:p>
-          <a:p>
-            <a:pPr marL="742950" lvl="1" indent="-285750" algn="l">
-              <a:buFont typeface="Arial" panose="020B0604020202020204" pitchFamily="34" charset="0"/>
-              <a:buChar char="•"/>
-            </a:pPr>
-            <a:r>
-              <a:rPr lang="en-US" altLang="zh-CN"/>
-              <a:t>I chose the API that has request times limit (500 times per month)</a:t>
-            </a:r>
-            <a:endParaRPr lang="en-US" altLang="zh-CN"/>
-          </a:p>
-          <a:p>
-            <a:pPr marL="742950" lvl="1" indent="-285750" algn="l">
-              <a:buFont typeface="Arial" panose="020B0604020202020204" pitchFamily="34" charset="0"/>
-              <a:buChar char="•"/>
-            </a:pPr>
-            <a:r>
-              <a:rPr lang="en-US" altLang="zh-CN"/>
-              <a:t>The history prices are incomplete.</a:t>
-            </a:r>
-            <a:r>
-              <a:rPr lang="en-US" altLang="zh-CN">
-                <a:solidFill>
-                  <a:srgbClr val="FF0000"/>
-                </a:solidFill>
-              </a:rPr>
-              <a:t>(This can lead to unreliable data analysis)</a:t>
-            </a:r>
-            <a:endParaRPr lang="en-US" altLang="zh-CN">
-              <a:solidFill>
-                <a:srgbClr val="FF0000"/>
-              </a:solidFill>
-            </a:endParaRPr>
-          </a:p>
-        </p:txBody>
-      </p:sp>
-    </p:spTree>
-    <p:custDataLst>
-      <p:tags r:id="rId3"/>
-    </p:custDataLst>
-  </p:cSld>
-  <p:clrMapOvr>
-    <a:masterClrMapping/>
-  </p:clrMapOvr>
-</p:sld>
-</file>
-
-<file path=ppt/slides/slide13.xml><?xml version="1.0" encoding="utf-8"?>
-<p:sld xmlns:a="http://schemas.openxmlformats.org/drawingml/2006/main" xmlns:r="http://schemas.openxmlformats.org/officeDocument/2006/relationships" xmlns:p="http://schemas.openxmlformats.org/presentationml/2006/main">
-  <p:cSld>
-    <p:spTree>
-      <p:nvGrpSpPr>
-        <p:cNvPr id="1" name=""/>
-        <p:cNvGrpSpPr/>
-        <p:nvPr/>
-      </p:nvGrpSpPr>
-      <p:grpSpPr>
-        <a:xfrm>
-          <a:off x="0" y="0"/>
-          <a:ext cx="0" cy="0"/>
-          <a:chOff x="0" y="0"/>
-          <a:chExt cx="0" cy="0"/>
-        </a:xfrm>
-      </p:grpSpPr>
-      <p:sp>
-        <p:nvSpPr>
-          <p:cNvPr id="2" name="标题 1"/>
-          <p:cNvSpPr>
-            <a:spLocks noGrp="1"/>
-          </p:cNvSpPr>
-          <p:nvPr>
-            <p:ph type="ctrTitle"/>
-            <p:custDataLst>
-              <p:tags r:id="rId1"/>
-            </p:custDataLst>
-          </p:nvPr>
-        </p:nvSpPr>
-        <p:spPr>
-          <a:xfrm>
-            <a:off x="1198880" y="914400"/>
             <a:ext cx="9799320" cy="721995"/>
           </a:xfrm>
         </p:spPr>
@@ -6042,6 +6123,178 @@
     </p:spTree>
     <p:custDataLst>
       <p:tags r:id="rId5"/>
+    </p:custDataLst>
+  </p:cSld>
+  <p:clrMapOvr>
+    <a:masterClrMapping/>
+  </p:clrMapOvr>
+</p:sld>
+</file>
+
+<file path=ppt/slides/slide13.xml><?xml version="1.0" encoding="utf-8"?>
+<p:sld xmlns:a="http://schemas.openxmlformats.org/drawingml/2006/main" xmlns:r="http://schemas.openxmlformats.org/officeDocument/2006/relationships" xmlns:p="http://schemas.openxmlformats.org/presentationml/2006/main">
+  <p:cSld>
+    <p:spTree>
+      <p:nvGrpSpPr>
+        <p:cNvPr id="1" name=""/>
+        <p:cNvGrpSpPr/>
+        <p:nvPr/>
+      </p:nvGrpSpPr>
+      <p:grpSpPr>
+        <a:xfrm>
+          <a:off x="0" y="0"/>
+          <a:ext cx="0" cy="0"/>
+          <a:chOff x="0" y="0"/>
+          <a:chExt cx="0" cy="0"/>
+        </a:xfrm>
+      </p:grpSpPr>
+      <p:sp>
+        <p:nvSpPr>
+          <p:cNvPr id="2" name="标题 1"/>
+          <p:cNvSpPr>
+            <a:spLocks noGrp="1"/>
+          </p:cNvSpPr>
+          <p:nvPr>
+            <p:ph type="ctrTitle"/>
+            <p:custDataLst>
+              <p:tags r:id="rId1"/>
+            </p:custDataLst>
+          </p:nvPr>
+        </p:nvSpPr>
+        <p:spPr>
+          <a:xfrm>
+            <a:off x="1198880" y="914400"/>
+            <a:ext cx="9799320" cy="1377315"/>
+          </a:xfrm>
+        </p:spPr>
+        <p:txBody>
+          <a:bodyPr/>
+          <a:p>
+            <a:r>
+              <a:rPr lang="en-US" altLang="zh-CN" sz="4800"/>
+              <a:t>The big challenge</a:t>
+            </a:r>
+            <a:endParaRPr lang="en-US" altLang="zh-CN" sz="4800"/>
+          </a:p>
+        </p:txBody>
+      </p:sp>
+      <p:sp>
+        <p:nvSpPr>
+          <p:cNvPr id="3" name="副标题 2"/>
+          <p:cNvSpPr>
+            <a:spLocks noGrp="1"/>
+          </p:cNvSpPr>
+          <p:nvPr>
+            <p:ph type="subTitle" idx="1"/>
+            <p:custDataLst>
+              <p:tags r:id="rId2"/>
+            </p:custDataLst>
+          </p:nvPr>
+        </p:nvSpPr>
+        <p:spPr>
+          <a:xfrm>
+            <a:off x="1198880" y="2570480"/>
+            <a:ext cx="9799320" cy="3855085"/>
+          </a:xfrm>
+        </p:spPr>
+        <p:txBody>
+          <a:bodyPr>
+            <a:normAutofit/>
+          </a:bodyPr>
+          <a:p>
+            <a:pPr marL="285750" indent="-285750" algn="l">
+              <a:buFont typeface="Arial" panose="020B0604020202020204" pitchFamily="34" charset="0"/>
+              <a:buChar char="•"/>
+            </a:pPr>
+            <a:r>
+              <a:rPr lang="en-US" altLang="zh-CN"/>
+              <a:t>Scrape data from Realtor is illegal</a:t>
+            </a:r>
+            <a:endParaRPr lang="en-US" altLang="zh-CN"/>
+          </a:p>
+          <a:p>
+            <a:pPr marL="742950" lvl="1" indent="-285750" algn="l">
+              <a:buFont typeface="Arial" panose="020B0604020202020204" pitchFamily="34" charset="0"/>
+              <a:buChar char="•"/>
+            </a:pPr>
+            <a:r>
+              <a:rPr lang="en-US" altLang="zh-CN"/>
+              <a:t>I did not read the robot.txt at the beginning.</a:t>
+            </a:r>
+            <a:endParaRPr lang="en-US" altLang="zh-CN"/>
+          </a:p>
+          <a:p>
+            <a:pPr marL="742950" lvl="1" indent="-285750" algn="l">
+              <a:buFont typeface="Arial" panose="020B0604020202020204" pitchFamily="34" charset="0"/>
+              <a:buChar char="•"/>
+            </a:pPr>
+            <a:r>
+              <a:rPr lang="en-US" altLang="zh-CN"/>
+              <a:t>I spent 4 days to scrape data, before I read the robot.txt.</a:t>
+            </a:r>
+            <a:endParaRPr lang="en-US" altLang="zh-CN"/>
+          </a:p>
+          <a:p>
+            <a:pPr marL="285750" lvl="0" indent="-285750" algn="l">
+              <a:buFont typeface="Arial" panose="020B0604020202020204" pitchFamily="34" charset="0"/>
+              <a:buChar char="•"/>
+            </a:pPr>
+            <a:r>
+              <a:rPr lang="en-US" altLang="zh-CN"/>
+              <a:t>Use API to get data</a:t>
+            </a:r>
+            <a:endParaRPr lang="en-US" altLang="zh-CN"/>
+          </a:p>
+          <a:p>
+            <a:pPr marL="742950" lvl="1" indent="-285750" algn="l">
+              <a:buFont typeface="Arial" panose="020B0604020202020204" pitchFamily="34" charset="0"/>
+              <a:buChar char="•"/>
+            </a:pPr>
+            <a:r>
+              <a:rPr lang="en-US" altLang="zh-CN"/>
+              <a:t>Many API can not get history prices</a:t>
+            </a:r>
+            <a:endParaRPr lang="en-US" altLang="zh-CN"/>
+          </a:p>
+          <a:p>
+            <a:pPr marL="742950" lvl="1" indent="-285750" algn="l">
+              <a:buFont typeface="Arial" panose="020B0604020202020204" pitchFamily="34" charset="0"/>
+              <a:buChar char="•"/>
+            </a:pPr>
+            <a:r>
+              <a:rPr lang="en-US" altLang="zh-CN"/>
+              <a:t>I chose the API that has request times limit (500 times per month)</a:t>
+            </a:r>
+            <a:endParaRPr lang="en-US" altLang="zh-CN"/>
+          </a:p>
+          <a:p>
+            <a:pPr marL="742950" lvl="1" indent="-285750" algn="l">
+              <a:buFont typeface="Arial" panose="020B0604020202020204" pitchFamily="34" charset="0"/>
+              <a:buChar char="•"/>
+            </a:pPr>
+            <a:r>
+              <a:rPr lang="en-US" altLang="zh-CN"/>
+              <a:t>The history prices are incomplete.</a:t>
+            </a:r>
+            <a:r>
+              <a:rPr lang="en-US" altLang="zh-CN">
+                <a:solidFill>
+                  <a:srgbClr val="FF0000"/>
+                </a:solidFill>
+              </a:rPr>
+              <a:t>(This can lead to unreliable data analysis)</a:t>
+            </a:r>
+            <a:endParaRPr lang="en-US" altLang="zh-CN">
+              <a:solidFill>
+                <a:srgbClr val="FF0000"/>
+              </a:solidFill>
+            </a:endParaRPr>
+          </a:p>
+        </p:txBody>
+      </p:sp>
+    </p:spTree>
+    <p:custDataLst>
+      <p:tags r:id="rId3"/>
     </p:custDataLst>
   </p:cSld>
   <p:clrMapOvr>
@@ -6779,7 +7032,7 @@
             </a:pPr>
             <a:r>
               <a:rPr lang="en-US" altLang="zh-CN"/>
-              <a:t>RapidAPI: To download API</a:t>
+              <a:t>RapidAPI: To download data</a:t>
             </a:r>
             <a:endParaRPr lang="en-US" altLang="zh-CN"/>
           </a:p>
@@ -6931,7 +7184,11 @@
               <a:rPr lang="en-US" altLang="zh-CN"/>
               <a:t>What is my Hypothesis</a:t>
             </a:r>
-            <a:endParaRPr lang="en-US" altLang="zh-CN"/>
+            <a:r>
+              <a:rPr lang="zh-CN" altLang="en-US"/>
+              <a:t>？</a:t>
+            </a:r>
+            <a:endParaRPr lang="zh-CN" altLang="en-US"/>
           </a:p>
         </p:txBody>
       </p:sp>
@@ -6955,7 +7212,7 @@
             <a:pPr algn="l"/>
             <a:r>
               <a:rPr lang="en-US" altLang="zh-CN"/>
-              <a:t>I think the U.S. housing markets are most vulnerable to the impact of the Coronavirus pandemic.</a:t>
+              <a:t>My hypothesis is that the U.S. housing markets are most vulnerable to the impact of the COVID-19 pandemic.</a:t>
             </a:r>
             <a:endParaRPr lang="en-US" altLang="zh-CN"/>
           </a:p>
@@ -7039,7 +7296,7 @@
             </a:pPr>
             <a:r>
               <a:rPr lang="en-US" altLang="zh-CN"/>
-              <a:t>The COVID-19 affects the price/sqft of big cities (New York and Los Angeles) obivously. </a:t>
+              <a:t>The COVID-19 affects the property price of big cities (New York and Los Angeles) obivously. </a:t>
             </a:r>
             <a:endParaRPr lang="en-US" altLang="zh-CN"/>
           </a:p>
@@ -7050,7 +7307,7 @@
             </a:pPr>
             <a:r>
               <a:rPr lang="en-US" altLang="zh-CN"/>
-              <a:t>The COVID-19 has a negative influence on the price/sqft of Condos and Multi-family, but it has a possitive influence on the price/sqft of single-family.</a:t>
+              <a:t>The COVID-19 has a negative influence on the price of Condos and Multi-family, but it has a positive influence on the price of single-family.</a:t>
             </a:r>
             <a:endParaRPr lang="en-US" altLang="zh-CN"/>
           </a:p>
@@ -7139,7 +7396,7 @@
         <p:spPr>
           <a:xfrm>
             <a:off x="455295" y="1574800"/>
-            <a:ext cx="3152775" cy="2344420"/>
+            <a:ext cx="2600325" cy="2344420"/>
           </a:xfrm>
           <a:prstGeom prst="rect">
             <a:avLst/>
@@ -7163,7 +7420,7 @@
         <p:spPr>
           <a:xfrm>
             <a:off x="4031615" y="1510665"/>
-            <a:ext cx="3226435" cy="2344420"/>
+            <a:ext cx="2616200" cy="2344420"/>
           </a:xfrm>
           <a:prstGeom prst="rect">
             <a:avLst/>
@@ -7187,7 +7444,7 @@
         <p:spPr>
           <a:xfrm>
             <a:off x="7658735" y="1483360"/>
-            <a:ext cx="3260725" cy="2399030"/>
+            <a:ext cx="2817495" cy="2399030"/>
           </a:xfrm>
           <a:prstGeom prst="rect">
             <a:avLst/>
@@ -7350,7 +7607,7 @@
         </p:spPr>
         <p:txBody>
           <a:bodyPr>
-            <a:normAutofit lnSpcReduction="20000"/>
+            <a:normAutofit fontScale="90000" lnSpcReduction="20000"/>
           </a:bodyPr>
           <a:p>
             <a:pPr marL="285750" indent="-285750" algn="l">
@@ -7359,7 +7616,7 @@
             </a:pPr>
             <a:r>
               <a:rPr lang="en-US" altLang="zh-CN"/>
-              <a:t>The COVID-19 has a possitive influence on the price/sqft of Los Angeles. </a:t>
+              <a:t>The COVID-19 has a positive influence on the property price/sqft of Los Angeles. </a:t>
             </a:r>
             <a:endParaRPr lang="en-US" altLang="zh-CN"/>
           </a:p>
@@ -7376,7 +7633,17 @@
             </a:pPr>
             <a:r>
               <a:rPr lang="en-US" altLang="zh-CN"/>
-              <a:t>The COVID-19 has a possitive influence on the price/sqft of New York. </a:t>
+              <a:t>The COVID-19 has a positive influence on the </a:t>
+            </a:r>
+            <a:r>
+              <a:rPr lang="en-US" altLang="zh-CN">
+                <a:sym typeface="+mn-ea"/>
+              </a:rPr>
+              <a:t>property </a:t>
+            </a:r>
+            <a:r>
+              <a:rPr lang="en-US" altLang="zh-CN"/>
+              <a:t> price/sqft of New York. </a:t>
             </a:r>
             <a:endParaRPr lang="en-US" altLang="zh-CN"/>
           </a:p>
@@ -7394,7 +7661,17 @@
             </a:pPr>
             <a:r>
               <a:rPr lang="en-US" altLang="zh-CN"/>
-              <a:t>The COVID-19 does not affect the price/sqft in Houston. </a:t>
+              <a:t>The COVID-19 does not affect the </a:t>
+            </a:r>
+            <a:r>
+              <a:rPr lang="en-US" altLang="zh-CN">
+                <a:sym typeface="+mn-ea"/>
+              </a:rPr>
+              <a:t>property</a:t>
+            </a:r>
+            <a:r>
+              <a:rPr lang="en-US" altLang="zh-CN"/>
+              <a:t> price/sqft in Houston. </a:t>
             </a:r>
             <a:endParaRPr lang="en-US" altLang="zh-CN"/>
           </a:p>
@@ -7814,7 +8091,19 @@
               <a:rPr lang="zh-CN" altLang="en-US">
                 <a:sym typeface="+mn-ea"/>
               </a:rPr>
-              <a:t>The COVID-19 has a possitive influence on the price/sqft of single-family. </a:t>
+              <a:t>The COVID-19 has a positive influence on the price/sqft of single-family </a:t>
+            </a:r>
+            <a:r>
+              <a:rPr lang="en-US" altLang="zh-CN">
+                <a:sym typeface="+mn-ea"/>
+              </a:rPr>
+              <a:t>from November</a:t>
+            </a:r>
+            <a:r>
+              <a:rPr lang="zh-CN" altLang="en-US">
+                <a:sym typeface="+mn-ea"/>
+              </a:rPr>
+              <a:t>. </a:t>
             </a:r>
             <a:endParaRPr lang="zh-CN" altLang="en-US">
               <a:sym typeface="+mn-ea"/>
@@ -10260,4 +10549,263 @@
     </a:ext>
   </a:extLst>
 </a:theme>
+</file>
+
+<file path=ppt/theme/theme3.xml><?xml version="1.0" encoding="utf-8"?>
+<a:theme xmlns:a="http://schemas.openxmlformats.org/drawingml/2006/main" name="Office 主题">
+  <a:themeElements>
+    <a:clrScheme name="Office">
+      <a:dk1>
+        <a:sysClr val="windowText" lastClr="000000"/>
+      </a:dk1>
+      <a:lt1>
+        <a:sysClr val="window" lastClr="FFFFFF"/>
+      </a:lt1>
+      <a:dk2>
+        <a:srgbClr val="44546A"/>
+      </a:dk2>
+      <a:lt2>
+        <a:srgbClr val="E7E6E6"/>
+      </a:lt2>
+      <a:accent1>
+        <a:srgbClr val="5B9BD5"/>
+      </a:accent1>
+      <a:accent2>
+        <a:srgbClr val="ED7D31"/>
+      </a:accent2>
+      <a:accent3>
+        <a:srgbClr val="A5A5A5"/>
+      </a:accent3>
+      <a:accent4>
+        <a:srgbClr val="FFC000"/>
+      </a:accent4>
+      <a:accent5>
+        <a:srgbClr val="4472C4"/>
+      </a:accent5>
+      <a:accent6>
+        <a:srgbClr val="70AD47"/>
+      </a:accent6>
+      <a:hlink>
+        <a:srgbClr val="0563C1"/>
+      </a:hlink>
+      <a:folHlink>
+        <a:srgbClr val="954F72"/>
+      </a:folHlink>
+    </a:clrScheme>
+    <a:fontScheme name="Office">
+      <a:majorFont>
+        <a:latin typeface="Calibri Light"/>
+        <a:ea typeface=""/>
+        <a:cs typeface=""/>
+        <a:font script="Jpan" typeface="ＭＳ Ｐゴシック"/>
+        <a:font script="Hang" typeface="맑은 고딕"/>
+        <a:font script="Hans" typeface="宋体"/>
+        <a:font script="Hant" typeface="新細明體"/>
+        <a:font script="Arab" typeface="Times New Roman"/>
+        <a:font script="Hebr" typeface="Times New Roman"/>
+        <a:font script="Thai" typeface="Angsana New"/>
+        <a:font script="Ethi" typeface="Nyala"/>
+        <a:font script="Beng" typeface="Vrinda"/>
+        <a:font script="Gujr" typeface="Shruti"/>
+        <a:font script="Khmr" typeface="MoolBoran"/>
+        <a:font script="Knda" typeface="Tunga"/>
+        <a:font script="Guru" typeface="Raavi"/>
+        <a:font script="Cans" typeface="Euphemia"/>
+        <a:font script="Cher" typeface="Plantagenet Cherokee"/>
+        <a:font script="Yiii" typeface="Microsoft Yi Baiti"/>
+        <a:font script="Tibt" typeface="Microsoft Himalaya"/>
+        <a:font script="Thaa" typeface="MV Boli"/>
+        <a:font script="Deva" typeface="Mangal"/>
+        <a:font script="Telu" typeface="Gautami"/>
+        <a:font script="Taml" typeface="Latha"/>
+        <a:font script="Syrc" typeface="Estrangelo Edessa"/>
+        <a:font script="Orya" typeface="Kalinga"/>
+        <a:font script="Mlym" typeface="Kartika"/>
+        <a:font script="Laoo" typeface="DokChampa"/>
+        <a:font script="Sinh" typeface="Iskoola Pota"/>
+        <a:font script="Mong" typeface="Mongolian Baiti"/>
+        <a:font script="Viet" typeface="Times New Roman"/>
+        <a:font script="Uigh" typeface="Microsoft Uighur"/>
+        <a:font script="Geor" typeface="Sylfaen"/>
+      </a:majorFont>
+      <a:minorFont>
+        <a:latin typeface="Calibri"/>
+        <a:ea typeface=""/>
+        <a:cs typeface=""/>
+        <a:font script="Jpan" typeface="ＭＳ Ｐゴシック"/>
+        <a:font script="Hang" typeface="맑은 고딕"/>
+        <a:font script="Hans" typeface="宋体"/>
+        <a:font script="Hant" typeface="新細明體"/>
+        <a:font script="Arab" typeface="Arial"/>
+        <a:font script="Hebr" typeface="Arial"/>
+        <a:font script="Thai" typeface="Cordia New"/>
+        <a:font script="Ethi" typeface="Nyala"/>
+        <a:font script="Beng" typeface="Vrinda"/>
+        <a:font script="Gujr" typeface="Shruti"/>
+        <a:font script="Khmr" typeface="DaunPenh"/>
+        <a:font script="Knda" typeface="Tunga"/>
+        <a:font script="Guru" typeface="Raavi"/>
+        <a:font script="Cans" typeface="Euphemia"/>
+        <a:font script="Cher" typeface="Plantagenet Cherokee"/>
+        <a:font script="Yiii" typeface="Microsoft Yi Baiti"/>
+        <a:font script="Tibt" typeface="Microsoft Himalaya"/>
+        <a:font script="Thaa" typeface="MV Boli"/>
+        <a:font script="Deva" typeface="Mangal"/>
+        <a:font script="Telu" typeface="Gautami"/>
+        <a:font script="Taml" typeface="Latha"/>
+        <a:font script="Syrc" typeface="Estrangelo Edessa"/>
+        <a:font script="Orya" typeface="Kalinga"/>
+        <a:font script="Mlym" typeface="Kartika"/>
+        <a:font script="Laoo" typeface="DokChampa"/>
+        <a:font script="Sinh" typeface="Iskoola Pota"/>
+        <a:font script="Mong" typeface="Mongolian Baiti"/>
+        <a:font script="Viet" typeface="Arial"/>
+        <a:font script="Uigh" typeface="Microsoft Uighur"/>
+        <a:font script="Geor" typeface="Sylfaen"/>
+      </a:minorFont>
+    </a:fontScheme>
+    <a:fmtScheme name="Office">
+      <a:fillStyleLst>
+        <a:solidFill>
+          <a:schemeClr val="phClr"/>
+        </a:solidFill>
+        <a:gradFill rotWithShape="1">
+          <a:gsLst>
+            <a:gs pos="0">
+              <a:schemeClr val="phClr">
+                <a:lumMod val="110000"/>
+                <a:satMod val="105000"/>
+                <a:tint val="67000"/>
+              </a:schemeClr>
+            </a:gs>
+            <a:gs pos="50000">
+              <a:schemeClr val="phClr">
+                <a:lumMod val="105000"/>
+                <a:satMod val="103000"/>
+                <a:tint val="73000"/>
+              </a:schemeClr>
+            </a:gs>
+            <a:gs pos="100000">
+              <a:schemeClr val="phClr">
+                <a:lumMod val="105000"/>
+                <a:satMod val="109000"/>
+                <a:tint val="81000"/>
+              </a:schemeClr>
+            </a:gs>
+          </a:gsLst>
+          <a:lin ang="5400000" scaled="0"/>
+        </a:gradFill>
+        <a:gradFill rotWithShape="1">
+          <a:gsLst>
+            <a:gs pos="0">
+              <a:schemeClr val="phClr">
+                <a:satMod val="103000"/>
+                <a:lumMod val="102000"/>
+                <a:tint val="94000"/>
+              </a:schemeClr>
+            </a:gs>
+            <a:gs pos="50000">
+              <a:schemeClr val="phClr">
+                <a:satMod val="110000"/>
+                <a:lumMod val="100000"/>
+                <a:shade val="100000"/>
+              </a:schemeClr>
+            </a:gs>
+            <a:gs pos="100000">
+              <a:schemeClr val="phClr">
+                <a:lumMod val="99000"/>
+                <a:satMod val="120000"/>
+                <a:shade val="78000"/>
+              </a:schemeClr>
+            </a:gs>
+          </a:gsLst>
+          <a:lin ang="5400000" scaled="0"/>
+        </a:gradFill>
+      </a:fillStyleLst>
+      <a:lnStyleLst>
+        <a:ln w="6350" cap="flat" cmpd="sng" algn="ctr">
+          <a:solidFill>
+            <a:schemeClr val="phClr"/>
+          </a:solidFill>
+          <a:prstDash val="solid"/>
+          <a:miter lim="800000"/>
+        </a:ln>
+        <a:ln w="12700" cap="flat" cmpd="sng" algn="ctr">
+          <a:solidFill>
+            <a:schemeClr val="phClr"/>
+          </a:solidFill>
+          <a:prstDash val="solid"/>
+          <a:miter lim="800000"/>
+        </a:ln>
+        <a:ln w="19050" cap="flat" cmpd="sng" algn="ctr">
+          <a:solidFill>
+            <a:schemeClr val="phClr"/>
+          </a:solidFill>
+          <a:prstDash val="solid"/>
+          <a:miter lim="800000"/>
+        </a:ln>
+      </a:lnStyleLst>
+      <a:effectStyleLst>
+        <a:effectStyle>
+          <a:effectLst/>
+        </a:effectStyle>
+        <a:effectStyle>
+          <a:effectLst/>
+        </a:effectStyle>
+        <a:effectStyle>
+          <a:effectLst>
+            <a:outerShdw blurRad="57150" dist="19050" dir="5400000" algn="ctr" rotWithShape="0">
+              <a:srgbClr val="000000">
+                <a:alpha val="63000"/>
+              </a:srgbClr>
+            </a:outerShdw>
+          </a:effectLst>
+        </a:effectStyle>
+      </a:effectStyleLst>
+      <a:bgFillStyleLst>
+        <a:solidFill>
+          <a:schemeClr val="phClr"/>
+        </a:solidFill>
+        <a:solidFill>
+          <a:schemeClr val="phClr">
+            <a:tint val="95000"/>
+            <a:satMod val="170000"/>
+          </a:schemeClr>
+        </a:solidFill>
+        <a:gradFill rotWithShape="1">
+          <a:gsLst>
+            <a:gs pos="0">
+              <a:schemeClr val="phClr">
+                <a:tint val="93000"/>
+                <a:satMod val="150000"/>
+                <a:shade val="98000"/>
+                <a:lumMod val="102000"/>
+              </a:schemeClr>
+            </a:gs>
+            <a:gs pos="50000">
+              <a:schemeClr val="phClr">
+                <a:tint val="98000"/>
+                <a:satMod val="130000"/>
+                <a:shade val="90000"/>
+                <a:lumMod val="103000"/>
+              </a:schemeClr>
+            </a:gs>
+            <a:gs pos="100000">
+              <a:schemeClr val="phClr">
+                <a:shade val="63000"/>
+                <a:satMod val="120000"/>
+              </a:schemeClr>
+            </a:gs>
+          </a:gsLst>
+          <a:lin ang="5400000" scaled="0"/>
+        </a:gradFill>
+      </a:bgFillStyleLst>
+    </a:fmtScheme>
+  </a:themeElements>
+  <a:extLst>
+    <a:ext uri="{05A4C25C-085E-4340-85A3-A5531E510DB2}">
+      <thm15:themeFamily xmlns:thm15="http://schemas.microsoft.com/office/thememl/2012/main" name="Office Theme" id="{62F939B6-93AF-4DB8-9C6B-D6C7DFDC589F}" vid="{4A3C46E8-61CC-4603-A589-7422A47A8E4A}"/>
+    </a:ext>
+  </a:extLst>
+</a:theme>
 </file>
--- a/Y_Wang_Final_Project_Presentation.pptx
+++ b/Y_Wang_Final_Project_Presentation.pptx
@@ -8,7 +8,7 @@
     <p:notesMasterId r:id="rId6"/>
   </p:notesMasterIdLst>
   <p:handoutMasterIdLst>
-    <p:handoutMasterId r:id="rId22"/>
+    <p:handoutMasterId r:id="rId21"/>
   </p:handoutMasterIdLst>
   <p:sldIdLst>
     <p:sldId id="409" r:id="rId3"/>
@@ -27,8 +27,7 @@
     <p:sldId id="419" r:id="rId17"/>
     <p:sldId id="420" r:id="rId18"/>
     <p:sldId id="421" r:id="rId19"/>
-    <p:sldId id="422" r:id="rId20"/>
-    <p:sldId id="423" r:id="rId21"/>
+    <p:sldId id="423" r:id="rId20"/>
   </p:sldIdLst>
   <p:sldSz cx="12192000" cy="6858000"/>
   <p:notesSz cx="6858000" cy="9144000"/>
@@ -887,15 +886,6 @@
         <p:txBody>
           <a:bodyPr/>
           <a:p>
-            <a:r>
-              <a:rPr lang="en-US" altLang="zh-CN">
-                <a:sym typeface="+mn-ea"/>
-              </a:rPr>
-              <a:t>The COVID-19 affects the price/sqft of big cities (New York and Los Angeles) obivously. </a:t>
-            </a:r>
-            <a:endParaRPr lang="en-US" altLang="zh-CN"/>
-          </a:p>
-          <a:p>
             <a:endParaRPr lang="zh-CN" altLang="en-US"/>
           </a:p>
         </p:txBody>
@@ -941,87 +931,14 @@
           <a:bodyPr/>
           <a:p>
             <a:r>
-              <a:rPr lang="zh-CN" altLang="en-US"/>
-              <a:t>The COVID-19 has a positive influence on the </a:t>
-            </a:r>
-            <a:r>
-              <a:rPr lang="en-US" altLang="zh-CN"/>
-              <a:t>property </a:t>
-            </a:r>
-            <a:r>
-              <a:rPr lang="zh-CN" altLang="en-US"/>
-              <a:t>price/sqft of Los Angeles. With the daily cases increasing to over 7500 from early November. The property market is Rebounding. The price/sqft of Los Angeles is over 517.</a:t>
-            </a:r>
-            <a:endParaRPr lang="zh-CN" altLang="en-US"/>
-          </a:p>
-          <a:p>
-            <a:endParaRPr lang="zh-CN" altLang="en-US"/>
-          </a:p>
-          <a:p>
-            <a:r>
-              <a:rPr lang="zh-CN" altLang="en-US"/>
-              <a:t>The COVID-19 has a positive influence on the </a:t>
-            </a:r>
-            <a:r>
               <a:rPr lang="en-US" altLang="zh-CN">
                 <a:sym typeface="+mn-ea"/>
               </a:rPr>
-              <a:t>property </a:t>
-            </a:r>
-            <a:r>
-              <a:rPr lang="zh-CN" altLang="en-US"/>
-              <a:t>price/sqft of New York. From January to June, the </a:t>
-            </a:r>
-            <a:r>
-              <a:rPr lang="en-US" altLang="zh-CN">
-                <a:sym typeface="+mn-ea"/>
-              </a:rPr>
-              <a:t>property  </a:t>
-            </a:r>
-            <a:r>
-              <a:rPr lang="zh-CN" altLang="en-US"/>
-              <a:t>price/sqft of New York is stability, because COVID-19 is under better control. The daily cases are around 300 cases. The </a:t>
-            </a:r>
-            <a:r>
-              <a:rPr lang="en-US" altLang="zh-CN">
-                <a:sym typeface="+mn-ea"/>
-              </a:rPr>
-              <a:t>property</a:t>
-            </a:r>
-            <a:r>
-              <a:rPr lang="zh-CN" altLang="en-US"/>
-              <a:t> price/sqft of New York has fallen to 676 because the daily cases have increased to over 500.</a:t>
-            </a:r>
-            <a:endParaRPr lang="zh-CN" altLang="en-US"/>
-          </a:p>
-          <a:p>
-            <a:endParaRPr lang="zh-CN" altLang="en-US"/>
-          </a:p>
-          <a:p>
-            <a:r>
-              <a:rPr lang="zh-CN" altLang="en-US"/>
-              <a:t>The COVID-19 does not affect the </a:t>
-            </a:r>
-            <a:r>
-              <a:rPr lang="en-US" altLang="zh-CN">
-                <a:sym typeface="+mn-ea"/>
-              </a:rPr>
-              <a:t>property  </a:t>
-            </a:r>
-            <a:r>
-              <a:rPr lang="zh-CN" altLang="en-US"/>
-              <a:t>price/sqft in Houston. The change of the </a:t>
-            </a:r>
-            <a:r>
-              <a:rPr lang="en-US" altLang="zh-CN">
-                <a:sym typeface="+mn-ea"/>
-              </a:rPr>
-              <a:t>property </a:t>
-            </a:r>
-            <a:r>
-              <a:rPr lang="zh-CN" altLang="en-US"/>
-              <a:t>price/sqft is between 177 and 178. Even though the picture seems to be trending up, the change is too small.</a:t>
-            </a:r>
+              <a:t>The COVID-19 affects the price/sqft of big counties (New York and Los Angeles) obviously. </a:t>
+            </a:r>
+            <a:endParaRPr lang="en-US" altLang="zh-CN"/>
+          </a:p>
+          <a:p>
             <a:endParaRPr lang="zh-CN" altLang="en-US"/>
           </a:p>
         </p:txBody>
@@ -1067,10 +984,88 @@
           <a:bodyPr/>
           <a:p>
             <a:r>
+              <a:rPr lang="zh-CN" altLang="en-US"/>
+              <a:t>The COVID-19 has a positive influence on the </a:t>
+            </a:r>
+            <a:r>
               <a:rPr lang="en-US" altLang="zh-CN"/>
-              <a:t>If I got data of all counties, this map can be a better visulazition.</a:t>
-            </a:r>
-            <a:endParaRPr lang="en-US" altLang="zh-CN"/>
+              <a:t>property </a:t>
+            </a:r>
+            <a:r>
+              <a:rPr lang="zh-CN" altLang="en-US"/>
+              <a:t>price/sqft of Los Angeles. With the daily cases increasing to over 7500 from early November. The property market is Rebounding. The price/sqft of Los Angeles is over 517.</a:t>
+            </a:r>
+            <a:endParaRPr lang="zh-CN" altLang="en-US"/>
+          </a:p>
+          <a:p>
+            <a:endParaRPr lang="zh-CN" altLang="en-US"/>
+          </a:p>
+          <a:p>
+            <a:r>
+              <a:rPr lang="zh-CN" altLang="en-US"/>
+              <a:t>The COVID-19 has a positive influence on the </a:t>
+            </a:r>
+            <a:r>
+              <a:rPr lang="en-US" altLang="zh-CN">
+                <a:sym typeface="+mn-ea"/>
+              </a:rPr>
+              <a:t>property </a:t>
+            </a:r>
+            <a:r>
+              <a:rPr lang="zh-CN" altLang="en-US"/>
+              <a:t>price/sqft of New York. From January to June, the </a:t>
+            </a:r>
+            <a:r>
+              <a:rPr lang="en-US" altLang="zh-CN">
+                <a:sym typeface="+mn-ea"/>
+              </a:rPr>
+              <a:t>property  </a:t>
+            </a:r>
+            <a:r>
+              <a:rPr lang="zh-CN" altLang="en-US"/>
+              <a:t>price/sqft of New York is stability, because COVID-19 is under better control. The daily cases are around 300 cases. The </a:t>
+            </a:r>
+            <a:r>
+              <a:rPr lang="en-US" altLang="zh-CN">
+                <a:sym typeface="+mn-ea"/>
+              </a:rPr>
+              <a:t>property</a:t>
+            </a:r>
+            <a:r>
+              <a:rPr lang="zh-CN" altLang="en-US"/>
+              <a:t> price/sqft of New York has fallen to 676 because the daily cases have increased to over 500.</a:t>
+            </a:r>
+            <a:endParaRPr lang="zh-CN" altLang="en-US"/>
+          </a:p>
+          <a:p>
+            <a:endParaRPr lang="zh-CN" altLang="en-US"/>
+          </a:p>
+          <a:p>
+            <a:r>
+              <a:rPr lang="zh-CN" altLang="en-US"/>
+              <a:t>The COVID-19 does not affect the </a:t>
+            </a:r>
+            <a:r>
+              <a:rPr lang="en-US" altLang="zh-CN">
+                <a:sym typeface="+mn-ea"/>
+              </a:rPr>
+              <a:t>property  </a:t>
+            </a:r>
+            <a:r>
+              <a:rPr lang="zh-CN" altLang="en-US"/>
+              <a:t>price/sqft in Houston. The change of the </a:t>
+            </a:r>
+            <a:r>
+              <a:rPr lang="en-US" altLang="zh-CN">
+                <a:sym typeface="+mn-ea"/>
+              </a:rPr>
+              <a:t>property </a:t>
+            </a:r>
+            <a:r>
+              <a:rPr lang="zh-CN" altLang="en-US"/>
+              <a:t>price/sqft is between 177 and 178. Even though the picture seems to be trending up, the change is too small.</a:t>
+            </a:r>
+            <a:endParaRPr lang="zh-CN" altLang="en-US"/>
           </a:p>
         </p:txBody>
       </p:sp>
@@ -1115,15 +1110,10 @@
           <a:bodyPr/>
           <a:p>
             <a:r>
-              <a:rPr lang="en-US" altLang="zh-CN">
-                <a:sym typeface="+mn-ea"/>
-              </a:rPr>
-              <a:t>The COVID-19 has a negative influence on the price/sqft of Condos and Multi-family, but it has a positive influence on the price/sqft of single-family from November.</a:t>
+              <a:rPr lang="en-US" altLang="zh-CN"/>
+              <a:t>If I got data of all counties, this map can be a better visulazition.</a:t>
             </a:r>
             <a:endParaRPr lang="en-US" altLang="zh-CN"/>
-          </a:p>
-          <a:p>
-            <a:endParaRPr lang="zh-CN" altLang="en-US"/>
           </a:p>
         </p:txBody>
       </p:sp>
@@ -1168,20 +1158,15 @@
           <a:bodyPr/>
           <a:p>
             <a:r>
-              <a:t>The COVID-19 has a positive influence on the price/sqft of single-family from November. In March, the price/sqft of single-family has risen to 418, because of the outbreak of a pandemic. The daily COVID-19 cases have reached over 40000. But the price has fallen to 411 because COVID-19 is under better control from June to late October. From November, the price/sqft risen to 413.</a:t>
-            </a:r>
-          </a:p>
-          <a:p/>
-          <a:p>
-            <a:r>
-              <a:t>The COVID-19 has a negative influence on the price/sqft of the condo. From January to June, the price/sqft of the condo is between 588 to 589. But the price/sqft of the condo has fallen to 579 because the 3rd peak of daily COVID-19 cases has reached over 200,000.</a:t>
-            </a:r>
-          </a:p>
-          <a:p/>
-          <a:p>
-            <a:r>
-              <a:t>The COVID-19 has a negative influence on the price/sqft of multi-family. The price/sqft of multi-family kept fall to 395. Because the 3rd peak of daily COVID-19 cases has reached over 200,000 from November.</a:t>
-            </a:r>
+              <a:rPr lang="en-US" altLang="zh-CN">
+                <a:sym typeface="+mn-ea"/>
+              </a:rPr>
+              <a:t>The COVID-19 has a negative influence on the price/sqft of Condos and Multi-family, but it has a positive influence on the price/sqft of single-family from November.</a:t>
+            </a:r>
+            <a:endParaRPr lang="en-US" altLang="zh-CN"/>
+          </a:p>
+          <a:p>
+            <a:endParaRPr lang="zh-CN" altLang="en-US"/>
           </a:p>
         </p:txBody>
       </p:sp>
@@ -1225,7 +1210,21 @@
         <p:txBody>
           <a:bodyPr/>
           <a:p>
-            <a:endParaRPr lang="zh-CN" altLang="en-US"/>
+            <a:r>
+              <a:t>The COVID-19 has a positive influence on the price/sqft of single-family from November. In March, the price/sqft of single-family has risen to 418, because of the outbreak of a pandemic. The daily COVID-19 cases have reached over 40000. But the price has fallen to 411 because COVID-19 is under better control from June to late October. From November, the price/sqft risen to 413.</a:t>
+            </a:r>
+          </a:p>
+          <a:p/>
+          <a:p>
+            <a:r>
+              <a:t>The COVID-19 has a negative influence on the price/sqft of the condo. From January to June, the price/sqft of the condo is between 588 to 589. But the price/sqft of the condo has fallen to 579 because the 3rd peak of daily COVID-19 cases has reached over 200,000.</a:t>
+            </a:r>
+          </a:p>
+          <a:p/>
+          <a:p>
+            <a:r>
+              <a:t>The COVID-19 has a negative influence on the price/sqft of multi-family. The price/sqft of multi-family kept fall to 395. Because the 3rd peak of daily COVID-19 cases has reached over 200,000 from November.</a:t>
+            </a:r>
           </a:p>
         </p:txBody>
       </p:sp>
@@ -6805,7 +6804,7 @@
           <a:p>
             <a:r>
               <a:rPr lang="en-US" altLang="zh-CN" sz="4800"/>
-              <a:t>How to solve the big challenge</a:t>
+              <a:t>What technology did I use</a:t>
             </a:r>
             <a:endParaRPr lang="en-US" altLang="zh-CN" sz="4800"/>
           </a:p>
@@ -6841,7 +6840,7 @@
             </a:pPr>
             <a:r>
               <a:rPr lang="en-US" altLang="zh-CN"/>
-              <a:t>For example: good data sample</a:t>
+              <a:t>Pandas and Numpy: To analyze data</a:t>
             </a:r>
             <a:endParaRPr lang="en-US" altLang="zh-CN"/>
           </a:p>
@@ -6850,6 +6849,10 @@
               <a:buFont typeface="Arial" panose="020B0604020202020204" pitchFamily="34" charset="0"/>
               <a:buChar char="•"/>
             </a:pPr>
+            <a:r>
+              <a:rPr lang="en-US" altLang="zh-CN"/>
+              <a:t>Matplotlib and seaborn: To visualize data</a:t>
+            </a:r>
             <a:endParaRPr lang="en-US" altLang="zh-CN"/>
           </a:p>
           <a:p>
@@ -6857,171 +6860,9 @@
               <a:buFont typeface="Arial" panose="020B0604020202020204" pitchFamily="34" charset="0"/>
               <a:buChar char="•"/>
             </a:pPr>
-            <a:endParaRPr lang="en-US" altLang="zh-CN"/>
-          </a:p>
-        </p:txBody>
-      </p:sp>
-      <p:pic>
-        <p:nvPicPr>
-          <p:cNvPr id="6" name="图片 5"/>
-          <p:cNvPicPr>
-            <a:picLocks noChangeAspect="1"/>
-          </p:cNvPicPr>
-          <p:nvPr/>
-        </p:nvPicPr>
-        <p:blipFill>
-          <a:blip r:embed="rId3"/>
-          <a:stretch>
-            <a:fillRect/>
-          </a:stretch>
-        </p:blipFill>
-        <p:spPr>
-          <a:xfrm>
-            <a:off x="1593215" y="2783205"/>
-            <a:ext cx="7536180" cy="2537460"/>
-          </a:xfrm>
-          <a:prstGeom prst="rect">
-            <a:avLst/>
-          </a:prstGeom>
-        </p:spPr>
-      </p:pic>
-      <p:pic>
-        <p:nvPicPr>
-          <p:cNvPr id="7" name="图片 6"/>
-          <p:cNvPicPr>
-            <a:picLocks noChangeAspect="1"/>
-          </p:cNvPicPr>
-          <p:nvPr/>
-        </p:nvPicPr>
-        <p:blipFill>
-          <a:blip r:embed="rId4"/>
-          <a:stretch>
-            <a:fillRect/>
-          </a:stretch>
-        </p:blipFill>
-        <p:spPr>
-          <a:xfrm>
-            <a:off x="452120" y="5786755"/>
-            <a:ext cx="11601450" cy="1021080"/>
-          </a:xfrm>
-          <a:prstGeom prst="rect">
-            <a:avLst/>
-          </a:prstGeom>
-        </p:spPr>
-      </p:pic>
-    </p:spTree>
-    <p:custDataLst>
-      <p:tags r:id="rId5"/>
-    </p:custDataLst>
-  </p:cSld>
-  <p:clrMapOvr>
-    <a:masterClrMapping/>
-  </p:clrMapOvr>
-</p:sld>
-</file>
-
-<file path=ppt/slides/slide18.xml><?xml version="1.0" encoding="utf-8"?>
-<p:sld xmlns:a="http://schemas.openxmlformats.org/drawingml/2006/main" xmlns:r="http://schemas.openxmlformats.org/officeDocument/2006/relationships" xmlns:p="http://schemas.openxmlformats.org/presentationml/2006/main">
-  <p:cSld>
-    <p:spTree>
-      <p:nvGrpSpPr>
-        <p:cNvPr id="1" name=""/>
-        <p:cNvGrpSpPr/>
-        <p:nvPr/>
-      </p:nvGrpSpPr>
-      <p:grpSpPr>
-        <a:xfrm>
-          <a:off x="0" y="0"/>
-          <a:ext cx="0" cy="0"/>
-          <a:chOff x="0" y="0"/>
-          <a:chExt cx="0" cy="0"/>
-        </a:xfrm>
-      </p:grpSpPr>
-      <p:sp>
-        <p:nvSpPr>
-          <p:cNvPr id="2" name="标题 1"/>
-          <p:cNvSpPr>
-            <a:spLocks noGrp="1"/>
-          </p:cNvSpPr>
-          <p:nvPr>
-            <p:ph type="ctrTitle"/>
-            <p:custDataLst>
-              <p:tags r:id="rId1"/>
-            </p:custDataLst>
-          </p:nvPr>
-        </p:nvSpPr>
-        <p:spPr>
-          <a:xfrm>
-            <a:off x="1198880" y="914400"/>
-            <a:ext cx="9799320" cy="721995"/>
-          </a:xfrm>
-        </p:spPr>
-        <p:txBody>
-          <a:bodyPr>
-            <a:normAutofit fontScale="90000"/>
-          </a:bodyPr>
-          <a:p>
-            <a:r>
-              <a:rPr lang="en-US" altLang="zh-CN" sz="4800"/>
-              <a:t>What technology did I use</a:t>
-            </a:r>
-            <a:endParaRPr lang="en-US" altLang="zh-CN" sz="4800"/>
-          </a:p>
-        </p:txBody>
-      </p:sp>
-      <p:sp>
-        <p:nvSpPr>
-          <p:cNvPr id="3" name="副标题 2"/>
-          <p:cNvSpPr>
-            <a:spLocks noGrp="1"/>
-          </p:cNvSpPr>
-          <p:nvPr>
-            <p:ph type="subTitle" idx="1"/>
-            <p:custDataLst>
-              <p:tags r:id="rId2"/>
-            </p:custDataLst>
-          </p:nvPr>
-        </p:nvSpPr>
-        <p:spPr>
-          <a:xfrm>
-            <a:off x="1277620" y="1892300"/>
-            <a:ext cx="9799320" cy="3894455"/>
-          </a:xfrm>
-        </p:spPr>
-        <p:txBody>
-          <a:bodyPr>
-            <a:normAutofit/>
-          </a:bodyPr>
-          <a:p>
-            <a:pPr marL="285750" indent="-285750" algn="l">
-              <a:buFont typeface="Arial" panose="020B0604020202020204" pitchFamily="34" charset="0"/>
-              <a:buChar char="•"/>
-            </a:pPr>
             <a:r>
               <a:rPr lang="en-US" altLang="zh-CN"/>
-              <a:t>Pandas and Numpy: To analyze data</a:t>
-            </a:r>
-            <a:endParaRPr lang="en-US" altLang="zh-CN"/>
-          </a:p>
-          <a:p>
-            <a:pPr marL="285750" indent="-285750" algn="l">
-              <a:buFont typeface="Arial" panose="020B0604020202020204" pitchFamily="34" charset="0"/>
-              <a:buChar char="•"/>
-            </a:pPr>
-            <a:r>
-              <a:rPr lang="en-US" altLang="zh-CN"/>
-              <a:t>Matplotlib and seaborn: To visualize data</a:t>
-            </a:r>
-            <a:endParaRPr lang="en-US" altLang="zh-CN"/>
-          </a:p>
-          <a:p>
-            <a:pPr marL="285750" indent="-285750" algn="l">
-              <a:buFont typeface="Arial" panose="020B0604020202020204" pitchFamily="34" charset="0"/>
-              <a:buChar char="•"/>
-            </a:pPr>
-            <a:r>
-              <a:rPr lang="en-US" altLang="zh-CN"/>
-              <a:t>folium: To draw US map to show data.</a:t>
+              <a:t>Folium: To draw US map to show data.</a:t>
             </a:r>
             <a:endParaRPr lang="en-US" altLang="zh-CN"/>
           </a:p>
@@ -7296,7 +7137,7 @@
             </a:pPr>
             <a:r>
               <a:rPr lang="en-US" altLang="zh-CN"/>
-              <a:t>The COVID-19 affects the property price of big cities (New York and Los Angeles) obivously. </a:t>
+              <a:t>The COVID-19 affects the property price of big counties(New York and Los Angeles) obviously. </a:t>
             </a:r>
             <a:endParaRPr lang="en-US" altLang="zh-CN"/>
           </a:p>
@@ -8426,73 +8267,6 @@
   <p:tag name="KSO_WM_UNIT_LAYERLEVEL" val="1"/>
   <p:tag name="KSO_WM_TAG_VERSION" val="1.0"/>
   <p:tag name="KSO_WM_BEAUTIFY_FLAG" val="#wm#"/>
-</p:tagLst>
-</file>
-
-<file path=ppt/tags/tag110.xml><?xml version="1.0" encoding="utf-8"?>
-<p:tagLst xmlns:p="http://schemas.openxmlformats.org/presentationml/2006/main">
-  <p:tag name="KSO_WM_UNIT_ISCONTENTSTITLE" val="0"/>
-  <p:tag name="KSO_WM_UNIT_ISNUMDGMTITLE" val="0"/>
-  <p:tag name="KSO_WM_UNIT_PRESET_TEXT" val="空白演示"/>
-  <p:tag name="KSO_WM_UNIT_NOCLEAR" val="0"/>
-  <p:tag name="KSO_WM_UNIT_SHOW_EDIT_AREA_INDICATION" val="1"/>
-  <p:tag name="KSO_WM_UNIT_VALUE" val="28"/>
-  <p:tag name="KSO_WM_UNIT_HIGHLIGHT" val="0"/>
-  <p:tag name="KSO_WM_UNIT_COMPATIBLE" val="0"/>
-  <p:tag name="KSO_WM_UNIT_DIAGRAM_ISNUMVISUAL" val="0"/>
-  <p:tag name="KSO_WM_UNIT_DIAGRAM_ISREFERUNIT" val="0"/>
-  <p:tag name="KSO_WM_UNIT_TYPE" val="a"/>
-  <p:tag name="KSO_WM_UNIT_INDEX" val="1"/>
-  <p:tag name="KSO_WM_UNIT_ID" val="custom20205176_1*a*1"/>
-  <p:tag name="KSO_WM_TEMPLATE_CATEGORY" val="custom"/>
-  <p:tag name="KSO_WM_TEMPLATE_INDEX" val="20205176"/>
-  <p:tag name="KSO_WM_UNIT_LAYERLEVEL" val="1"/>
-  <p:tag name="KSO_WM_TAG_VERSION" val="1.0"/>
-  <p:tag name="KSO_WM_BEAUTIFY_FLAG" val="#wm#"/>
-</p:tagLst>
-</file>
-
-<file path=ppt/tags/tag111.xml><?xml version="1.0" encoding="utf-8"?>
-<p:tagLst xmlns:p="http://schemas.openxmlformats.org/presentationml/2006/main">
-  <p:tag name="KSO_WM_UNIT_ISCONTENTSTITLE" val="0"/>
-  <p:tag name="KSO_WM_UNIT_ISNUMDGMTITLE" val="0"/>
-  <p:tag name="KSO_WM_UNIT_PRESET_TEXT" val="单击输入您的封面副标题"/>
-  <p:tag name="KSO_WM_UNIT_NOCLEAR" val="0"/>
-  <p:tag name="KSO_WM_UNIT_SHOW_EDIT_AREA_INDICATION" val="1"/>
-  <p:tag name="KSO_WM_UNIT_VALUE" val="111"/>
-  <p:tag name="KSO_WM_UNIT_HIGHLIGHT" val="0"/>
-  <p:tag name="KSO_WM_UNIT_COMPATIBLE" val="0"/>
-  <p:tag name="KSO_WM_UNIT_DIAGRAM_ISNUMVISUAL" val="0"/>
-  <p:tag name="KSO_WM_UNIT_DIAGRAM_ISREFERUNIT" val="0"/>
-  <p:tag name="KSO_WM_UNIT_TYPE" val="b"/>
-  <p:tag name="KSO_WM_UNIT_INDEX" val="1"/>
-  <p:tag name="KSO_WM_UNIT_ID" val="custom20205176_1*b*1"/>
-  <p:tag name="KSO_WM_TEMPLATE_CATEGORY" val="custom"/>
-  <p:tag name="KSO_WM_TEMPLATE_INDEX" val="20205176"/>
-  <p:tag name="KSO_WM_UNIT_LAYERLEVEL" val="1"/>
-  <p:tag name="KSO_WM_TAG_VERSION" val="1.0"/>
-  <p:tag name="KSO_WM_BEAUTIFY_FLAG" val="#wm#"/>
-</p:tagLst>
-</file>
-
-<file path=ppt/tags/tag112.xml><?xml version="1.0" encoding="utf-8"?>
-<p:tagLst xmlns:p="http://schemas.openxmlformats.org/presentationml/2006/main">
-  <p:tag name="KSO_WM_SLIDE_ID" val="custom20205176_1"/>
-  <p:tag name="KSO_WM_TEMPLATE_SUBCATEGORY" val="19"/>
-  <p:tag name="KSO_WM_TEMPLATE_MASTER_TYPE" val="0"/>
-  <p:tag name="KSO_WM_TEMPLATE_COLOR_TYPE" val="1"/>
-  <p:tag name="KSO_WM_SLIDE_TYPE" val="title"/>
-  <p:tag name="KSO_WM_SLIDE_SUBTYPE" val="defaultBlank"/>
-  <p:tag name="KSO_WM_SLIDE_ITEM_CNT" val="0"/>
-  <p:tag name="KSO_WM_SLIDE_INDEX" val="1"/>
-  <p:tag name="KSO_WM_TAG_VERSION" val="1.0"/>
-  <p:tag name="KSO_WM_BEAUTIFY_FLAG" val="#wm#"/>
-  <p:tag name="KSO_WM_TEMPLATE_CATEGORY" val="custom"/>
-  <p:tag name="KSO_WM_TEMPLATE_INDEX" val="20205176"/>
-  <p:tag name="KSO_WM_SLIDE_LAYOUT" val="a_b"/>
-  <p:tag name="KSO_WM_SLIDE_LAYOUT_CNT" val="1_1"/>
-  <p:tag name="KSO_WM_UNIT_SHOW_EDIT_AREA_INDICATION" val="1"/>
-  <p:tag name="KSO_WM_TEMPLATE_THUMBS_INDEX" val="1、4、7、12、13、14、15、16、17、18、20、24、25、28、33、36、40、43、44"/>
 </p:tagLst>
 </file>
 

--- a/Y_Wang_Final_Project_Presentation.pptx
+++ b/Y_Wang_Final_Project_Presentation.pptx
@@ -5687,7 +5687,7 @@
           <a:p>
             <a:r>
               <a:rPr lang="en-US" altLang="zh-CN" sz="4800"/>
-              <a:t>What are my research steps</a:t>
+              <a:t>What are my research steps?</a:t>
             </a:r>
             <a:endParaRPr lang="en-US" altLang="zh-CN" sz="4800"/>
           </a:p>
@@ -5922,7 +5922,7 @@
           <a:p>
             <a:r>
               <a:rPr lang="en-US" altLang="zh-CN" sz="4800"/>
-              <a:t>The big challenge</a:t>
+              <a:t>The big challenge 1</a:t>
             </a:r>
             <a:endParaRPr lang="en-US" altLang="zh-CN" sz="4800"/>
           </a:p>
@@ -6053,34 +6053,44 @@
           <a:p>
             <a:r>
               <a:rPr lang="en-US" altLang="zh-CN"/>
-              <a:t>1888 items of history price.</a:t>
+              <a:t>1888 items that have history price.</a:t>
             </a:r>
             <a:endParaRPr lang="en-US" altLang="zh-CN"/>
           </a:p>
           <a:p>
             <a:r>
               <a:rPr lang="en-US" altLang="zh-CN"/>
-              <a:t>1472 items that are greater than 0 spft.</a:t>
+              <a:t>1472 items that are greater than 0 price/spft.</a:t>
             </a:r>
             <a:endParaRPr lang="en-US" altLang="zh-CN"/>
           </a:p>
           <a:p>
             <a:r>
               <a:rPr lang="en-US" altLang="zh-CN"/>
-              <a:t>735 items of event date are greater than 2019-01-01</a:t>
-            </a:r>
-            <a:endParaRPr lang="en-US" altLang="zh-CN"/>
-          </a:p>
-          <a:p>
-            <a:r>
-              <a:rPr lang="en-US" altLang="zh-CN"/>
-              <a:t>662 </a:t>
+              <a:t>735 items </a:t>
             </a:r>
             <a:r>
               <a:rPr lang="en-US" altLang="zh-CN">
                 <a:sym typeface="+mn-ea"/>
               </a:rPr>
-              <a:t>items of event date are greater than 2020-01-01</a:t>
+              <a:t>that </a:t>
+            </a:r>
+            <a:r>
+              <a:rPr lang="en-US" altLang="zh-CN"/>
+              <a:t>event date are greater than 2019-01-01</a:t>
+            </a:r>
+            <a:endParaRPr lang="en-US" altLang="zh-CN"/>
+          </a:p>
+          <a:p>
+            <a:r>
+              <a:rPr lang="en-US" altLang="zh-CN"/>
+              <a:t>662 </a:t>
+            </a:r>
+            <a:r>
+              <a:rPr lang="en-US" altLang="zh-CN">
+                <a:sym typeface="+mn-ea"/>
+              </a:rPr>
+              <a:t>items that event date are greater than 2020-01-01</a:t>
             </a:r>
             <a:endParaRPr lang="en-US" altLang="zh-CN">
               <a:sym typeface="+mn-ea"/>
@@ -6099,7 +6109,7 @@
                 </a:solidFill>
                 <a:sym typeface="+mn-ea"/>
               </a:rPr>
-              <a:t>I think that it hard to make accurate predictions with these data. </a:t>
+              <a:t>I think that it is hard to make accurate predictions with these data. </a:t>
             </a:r>
             <a:endParaRPr lang="en-US" altLang="zh-CN" sz="2800">
               <a:solidFill>
@@ -6171,7 +6181,7 @@
           <a:p>
             <a:r>
               <a:rPr lang="en-US" altLang="zh-CN" sz="4800"/>
-              <a:t>The big challenge</a:t>
+              <a:t>The big challenge 2</a:t>
             </a:r>
             <a:endParaRPr lang="en-US" altLang="zh-CN" sz="4800"/>
           </a:p>
@@ -6229,7 +6239,7 @@
             </a:pPr>
             <a:r>
               <a:rPr lang="en-US" altLang="zh-CN"/>
-              <a:t>I spent 4 days to scrape data, before I read the robot.txt.</a:t>
+              <a:t>I spent 4 days to scrape data before I read the robot.txt.</a:t>
             </a:r>
             <a:endParaRPr lang="en-US" altLang="zh-CN"/>
           </a:p>
@@ -6273,7 +6283,7 @@
             </a:pPr>
             <a:r>
               <a:rPr lang="en-US" altLang="zh-CN"/>
-              <a:t>The history prices are incomplete.</a:t>
+              <a:t>The history prices are incomplete. </a:t>
             </a:r>
             <a:r>
               <a:rPr lang="en-US" altLang="zh-CN">
@@ -6367,12 +6377,12 @@
         <p:spPr>
           <a:xfrm>
             <a:off x="1277620" y="1892300"/>
-            <a:ext cx="9799320" cy="3894455"/>
+            <a:ext cx="9799320" cy="4585335"/>
           </a:xfrm>
         </p:spPr>
         <p:txBody>
           <a:bodyPr>
-            <a:normAutofit lnSpcReduction="20000"/>
+            <a:normAutofit/>
           </a:bodyPr>
           <a:p>
             <a:pPr marL="285750" indent="-285750" algn="l">
@@ -6381,7 +6391,7 @@
             </a:pPr>
             <a:r>
               <a:rPr lang="en-US" altLang="zh-CN"/>
-              <a:t>Next time, I will use the unfree API to get enough data</a:t>
+              <a:t>Next time, I will use the unfree API to get enough data.</a:t>
             </a:r>
             <a:endParaRPr lang="en-US" altLang="zh-CN"/>
           </a:p>
@@ -6392,7 +6402,7 @@
             </a:pPr>
             <a:r>
               <a:rPr lang="en-US" altLang="zh-CN"/>
-              <a:t>This time, because not all houses has 12 months of 2020 history prices, I use average price of each house. If one house has only one price of 2020, this price will be its average monthly price.( </a:t>
+              <a:t>This time, because not all houses have 12 months of 2020 history prices, I use the average price of each house. If one house has only one price of 2020, this price will be its average monthly price. ( </a:t>
             </a:r>
             <a:r>
               <a:rPr lang="en-US" altLang="zh-CN">
@@ -6400,11 +6410,11 @@
                   <a:srgbClr val="FF0000"/>
                 </a:solidFill>
               </a:rPr>
-              <a:t>This way may lead to inaccurate result.</a:t>
+              <a:t>This way may lead to inaccurate results</a:t>
             </a:r>
             <a:r>
               <a:rPr lang="en-US" altLang="zh-CN"/>
-              <a:t>)</a:t>
+              <a:t>).</a:t>
             </a:r>
             <a:endParaRPr lang="en-US" altLang="zh-CN"/>
           </a:p>
@@ -6415,14 +6425,8 @@
             </a:pPr>
             <a:r>
               <a:rPr lang="en-US" altLang="zh-CN"/>
-              <a:t>I use the average price of 2020 to fill empty data for each house.</a:t>
-            </a:r>
-            <a:endParaRPr lang="en-US" altLang="zh-CN"/>
-          </a:p>
-          <a:p>
-            <a:pPr algn="l">
-              <a:buFont typeface="Arial" panose="020B0604020202020204" pitchFamily="34" charset="0"/>
-            </a:pPr>
+              <a:t>I use the average price/sqft of 2020 to fill empty data for each house.</a:t>
+            </a:r>
             <a:endParaRPr lang="en-US" altLang="zh-CN"/>
           </a:p>
           <a:p>
@@ -6524,9 +6528,13 @@
             </a:pPr>
             <a:r>
               <a:rPr lang="en-US" altLang="zh-CN"/>
-              <a:t>For example: bad data sampel</a:t>
-            </a:r>
-            <a:endParaRPr lang="en-US" altLang="zh-CN"/>
+              <a:t>For example: </a:t>
+            </a:r>
+            <a:r>
+              <a:rPr lang="en-US" altLang="zh-CN" b="1"/>
+              <a:t>bad data sampel</a:t>
+            </a:r>
+            <a:endParaRPr lang="en-US" altLang="zh-CN" b="1"/>
           </a:p>
           <a:p>
             <a:pPr marL="285750" indent="-285750" algn="l">
@@ -6560,7 +6568,7 @@
         </p:blipFill>
         <p:spPr>
           <a:xfrm>
-            <a:off x="274955" y="2659380"/>
+            <a:off x="1845945" y="2422525"/>
             <a:ext cx="6549390" cy="2834005"/>
           </a:xfrm>
           <a:prstGeom prst="rect">
@@ -6682,7 +6690,11 @@
             </a:pPr>
             <a:r>
               <a:rPr lang="en-US" altLang="zh-CN"/>
-              <a:t>For example: good data sample</a:t>
+              <a:t>For example: </a:t>
+            </a:r>
+            <a:r>
+              <a:rPr lang="en-US" altLang="zh-CN" b="1"/>
+              <a:t>good data sample</a:t>
             </a:r>
             <a:endParaRPr lang="en-US" altLang="zh-CN"/>
           </a:p>
@@ -6804,7 +6816,7 @@
           <a:p>
             <a:r>
               <a:rPr lang="en-US" altLang="zh-CN" sz="4800"/>
-              <a:t>What technology did I use</a:t>
+              <a:t>What technologies did I use</a:t>
             </a:r>
             <a:endParaRPr lang="en-US" altLang="zh-CN" sz="4800"/>
           </a:p>
@@ -6963,14 +6975,19 @@
             </p:custDataLst>
           </p:nvPr>
         </p:nvSpPr>
-        <p:spPr/>
+        <p:spPr>
+          <a:xfrm>
+            <a:off x="1198880" y="3560445"/>
+            <a:ext cx="9799320" cy="1935480"/>
+          </a:xfrm>
+        </p:spPr>
         <p:txBody>
           <a:bodyPr/>
           <a:p>
             <a:pPr algn="l"/>
             <a:r>
               <a:rPr lang="en-US" altLang="zh-CN"/>
-              <a:t>Data helps drive decisions. I'm going to analyze between COVID-19 and Real estate price in NYC, Houston and Los Angeles.</a:t>
+              <a:t>Data helps drive decisions. I'm going to analyze COVID-19 and Real estate prices in NYC, Houston, and Los Angeles.</a:t>
             </a:r>
             <a:endParaRPr lang="en-US" altLang="zh-CN"/>
           </a:p>
@@ -7046,7 +7063,12 @@
             </p:custDataLst>
           </p:nvPr>
         </p:nvSpPr>
-        <p:spPr/>
+        <p:spPr>
+          <a:xfrm>
+            <a:off x="1198880" y="3560445"/>
+            <a:ext cx="9799320" cy="1641475"/>
+          </a:xfrm>
+        </p:spPr>
         <p:txBody>
           <a:bodyPr/>
           <a:p>
@@ -7106,7 +7128,7 @@
           <a:p>
             <a:r>
               <a:rPr lang="en-US" altLang="zh-CN"/>
-              <a:t>What is my Conclusion</a:t>
+              <a:t>What is my Conclusion?</a:t>
             </a:r>
             <a:endParaRPr lang="en-US" altLang="zh-CN"/>
           </a:p>
@@ -7125,10 +7147,15 @@
             </p:custDataLst>
           </p:nvPr>
         </p:nvSpPr>
-        <p:spPr/>
+        <p:spPr>
+          <a:xfrm>
+            <a:off x="1198880" y="3560445"/>
+            <a:ext cx="9799320" cy="2066290"/>
+          </a:xfrm>
+        </p:spPr>
         <p:txBody>
           <a:bodyPr>
-            <a:normAutofit fontScale="70000"/>
+            <a:normAutofit fontScale="90000"/>
           </a:bodyPr>
           <a:p>
             <a:pPr marL="285750" indent="-285750" algn="l">
@@ -7197,7 +7224,7 @@
         </p:nvSpPr>
         <p:spPr>
           <a:xfrm>
-            <a:off x="1198880" y="914400"/>
+            <a:off x="1196340" y="732155"/>
             <a:ext cx="9799320" cy="751205"/>
           </a:xfrm>
         </p:spPr>
@@ -7207,16 +7234,30 @@
           </a:bodyPr>
           <a:p>
             <a:r>
-              <a:rPr lang="en-US" altLang="zh-CN">
+              <a:rPr lang="en-US" altLang="zh-CN" sz="5335"/>
+              <a:t>Data </a:t>
+            </a:r>
+            <a:r>
+              <a:rPr lang="en-US" altLang="zh-CN" sz="5330">
                 <a:sym typeface="+mn-ea"/>
               </a:rPr>
-              <a:t>County </a:t>
-            </a:r>
-            <a:r>
-              <a:rPr lang="en-US" altLang="zh-CN"/>
-              <a:t>Data Visualization</a:t>
-            </a:r>
-            <a:endParaRPr lang="en-US" altLang="zh-CN"/>
+              <a:t>Analysis</a:t>
+            </a:r>
+            <a:r>
+              <a:rPr lang="en-US" altLang="zh-CN" sz="5335"/>
+              <a:t> of </a:t>
+            </a:r>
+            <a:r>
+              <a:rPr lang="en-US" altLang="zh-CN" sz="5330">
+                <a:sym typeface="+mn-ea"/>
+              </a:rPr>
+              <a:t>Counties</a:t>
+            </a:r>
+            <a:r>
+              <a:rPr lang="en-US" altLang="zh-CN" sz="5335"/>
+              <a:t> </a:t>
+            </a:r>
+            <a:endParaRPr lang="en-US" altLang="zh-CN" sz="5335"/>
           </a:p>
         </p:txBody>
       </p:sp>
@@ -7571,16 +7612,10 @@
           </a:bodyPr>
           <a:p>
             <a:r>
-              <a:rPr lang="en-US" altLang="zh-CN">
-                <a:sym typeface="+mn-ea"/>
-              </a:rPr>
-              <a:t>County </a:t>
-            </a:r>
-            <a:r>
-              <a:rPr lang="en-US" altLang="zh-CN"/>
-              <a:t>Data Visualization</a:t>
-            </a:r>
-            <a:endParaRPr lang="en-US" altLang="zh-CN"/>
+              <a:rPr lang="en-US" altLang="zh-CN" sz="5335"/>
+              <a:t>Rate of price change</a:t>
+            </a:r>
+            <a:endParaRPr lang="en-US" altLang="zh-CN" sz="5335"/>
           </a:p>
         </p:txBody>
       </p:sp>
@@ -7660,10 +7695,18 @@
             <a:r>
               <a:rPr lang="en-US" altLang="zh-CN" sz="3200">
                 <a:solidFill>
+                  <a:srgbClr val="FF0000"/>
+                </a:solidFill>
+              </a:rPr>
+              <a:t>Red area</a:t>
+            </a:r>
+            <a:r>
+              <a:rPr lang="en-US" altLang="zh-CN" sz="3200">
+                <a:solidFill>
                   <a:srgbClr val="C00000"/>
                 </a:solidFill>
               </a:rPr>
-              <a:t>Red place </a:t>
+              <a:t> </a:t>
             </a:r>
             <a:r>
               <a:rPr lang="en-US" altLang="zh-CN" sz="3200"/>
@@ -7716,7 +7759,7 @@
         </p:nvSpPr>
         <p:spPr>
           <a:xfrm>
-            <a:off x="1198880" y="914400"/>
+            <a:off x="1242060" y="455930"/>
             <a:ext cx="9799320" cy="751205"/>
           </a:xfrm>
         </p:spPr>
@@ -7726,18 +7769,20 @@
           </a:bodyPr>
           <a:p>
             <a:r>
-              <a:rPr lang="en-US" altLang="zh-CN"/>
-              <a:t>House Type</a:t>
-            </a:r>
-            <a:r>
-              <a:rPr lang="en-US" altLang="zh-CN"/>
-              <a:t> </a:t>
-            </a:r>
-            <a:r>
-              <a:rPr lang="en-US" altLang="zh-CN"/>
-              <a:t>Data Visualization</a:t>
-            </a:r>
-            <a:endParaRPr lang="en-US" altLang="zh-CN"/>
+              <a:rPr lang="en-US" altLang="zh-CN" sz="4890"/>
+              <a:t>Data </a:t>
+            </a:r>
+            <a:r>
+              <a:rPr lang="en-US" altLang="zh-CN" sz="4890">
+                <a:sym typeface="+mn-ea"/>
+              </a:rPr>
+              <a:t>Analysis</a:t>
+            </a:r>
+            <a:r>
+              <a:rPr lang="en-US" altLang="zh-CN" sz="4890"/>
+              <a:t> of House Types </a:t>
+            </a:r>
+            <a:endParaRPr lang="en-US" altLang="zh-CN" sz="4890"/>
           </a:p>
         </p:txBody>
       </p:sp>

--- a/Y_Wang_Final_Project_Presentation.pptx
+++ b/Y_Wang_Final_Project_Presentation.pptx
@@ -8,7 +8,7 @@
     <p:notesMasterId r:id="rId6"/>
   </p:notesMasterIdLst>
   <p:handoutMasterIdLst>
-    <p:handoutMasterId r:id="rId21"/>
+    <p:handoutMasterId r:id="rId22"/>
   </p:handoutMasterIdLst>
   <p:sldIdLst>
     <p:sldId id="409" r:id="rId3"/>
@@ -27,7 +27,8 @@
     <p:sldId id="419" r:id="rId17"/>
     <p:sldId id="420" r:id="rId18"/>
     <p:sldId id="421" r:id="rId19"/>
-    <p:sldId id="423" r:id="rId20"/>
+    <p:sldId id="438" r:id="rId20"/>
+    <p:sldId id="423" r:id="rId21"/>
   </p:sldIdLst>
   <p:sldSz cx="12192000" cy="6858000"/>
   <p:notesSz cx="6858000" cy="9144000"/>
@@ -811,6 +812,50 @@
 </file>
 
 <file path=ppt/notesSlides/notesSlide13.xml><?xml version="1.0" encoding="utf-8"?>
+<p:notes xmlns:a="http://schemas.openxmlformats.org/drawingml/2006/main" xmlns:r="http://schemas.openxmlformats.org/officeDocument/2006/relationships" xmlns:p="http://schemas.openxmlformats.org/presentationml/2006/main">
+  <p:cSld>
+    <p:spTree>
+      <p:nvGrpSpPr>
+        <p:cNvPr id="1" name=""/>
+        <p:cNvGrpSpPr/>
+        <p:nvPr/>
+      </p:nvGrpSpPr>
+      <p:grpSpPr/>
+      <p:sp>
+        <p:nvSpPr>
+          <p:cNvPr id="2" name="幻灯片图像占位符 1"/>
+          <p:cNvSpPr/>
+          <p:nvPr>
+            <p:ph type="sldImg" idx="2"/>
+          </p:nvPr>
+        </p:nvSpPr>
+        <p:spPr/>
+      </p:sp>
+      <p:sp>
+        <p:nvSpPr>
+          <p:cNvPr id="3" name="文本占位符 2"/>
+          <p:cNvSpPr/>
+          <p:nvPr>
+            <p:ph type="body" idx="3"/>
+          </p:nvPr>
+        </p:nvSpPr>
+        <p:spPr/>
+        <p:txBody>
+          <a:bodyPr/>
+          <a:p>
+            <a:endParaRPr lang="zh-CN" altLang="en-US"/>
+          </a:p>
+        </p:txBody>
+      </p:sp>
+    </p:spTree>
+  </p:cSld>
+  <p:clrMapOvr>
+    <a:masterClrMapping/>
+  </p:clrMapOvr>
+</p:notes>
+</file>
+
+<file path=ppt/notesSlides/notesSlide14.xml><?xml version="1.0" encoding="utf-8"?>
 <p:notes xmlns:a="http://schemas.openxmlformats.org/drawingml/2006/main" xmlns:r="http://schemas.openxmlformats.org/officeDocument/2006/relationships" xmlns:p="http://schemas.openxmlformats.org/presentationml/2006/main">
   <p:cSld>
     <p:spTree>
@@ -6355,7 +6400,7 @@
           <a:p>
             <a:r>
               <a:rPr lang="en-US" altLang="zh-CN" sz="4800"/>
-              <a:t>How to solve the big challenge</a:t>
+              <a:t>How to solve the big challenge?</a:t>
             </a:r>
             <a:endParaRPr lang="en-US" altLang="zh-CN" sz="4800"/>
           </a:p>
@@ -6492,7 +6537,7 @@
           <a:p>
             <a:r>
               <a:rPr lang="en-US" altLang="zh-CN" sz="4800"/>
-              <a:t>How to solve the big challenge</a:t>
+              <a:t>How to solve the big challenge?</a:t>
             </a:r>
             <a:endParaRPr lang="en-US" altLang="zh-CN" sz="4800"/>
           </a:p>
@@ -6654,7 +6699,7 @@
           <a:p>
             <a:r>
               <a:rPr lang="en-US" altLang="zh-CN" sz="4800"/>
-              <a:t>How to solve the big challenge</a:t>
+              <a:t>How to solve the big challenge?</a:t>
             </a:r>
             <a:endParaRPr lang="en-US" altLang="zh-CN" sz="4800"/>
           </a:p>
@@ -6774,6 +6819,131 @@
 </file>
 
 <file path=ppt/slides/slide17.xml><?xml version="1.0" encoding="utf-8"?>
+<p:sld xmlns:a="http://schemas.openxmlformats.org/drawingml/2006/main" xmlns:r="http://schemas.openxmlformats.org/officeDocument/2006/relationships" xmlns:p="http://schemas.openxmlformats.org/presentationml/2006/main">
+  <p:cSld>
+    <p:spTree>
+      <p:nvGrpSpPr>
+        <p:cNvPr id="1" name=""/>
+        <p:cNvGrpSpPr/>
+        <p:nvPr/>
+      </p:nvGrpSpPr>
+      <p:grpSpPr>
+        <a:xfrm>
+          <a:off x="0" y="0"/>
+          <a:ext cx="0" cy="0"/>
+          <a:chOff x="0" y="0"/>
+          <a:chExt cx="0" cy="0"/>
+        </a:xfrm>
+      </p:grpSpPr>
+      <p:sp>
+        <p:nvSpPr>
+          <p:cNvPr id="2" name="标题 1"/>
+          <p:cNvSpPr>
+            <a:spLocks noGrp="1"/>
+          </p:cNvSpPr>
+          <p:nvPr>
+            <p:ph type="ctrTitle"/>
+            <p:custDataLst>
+              <p:tags r:id="rId1"/>
+            </p:custDataLst>
+          </p:nvPr>
+        </p:nvSpPr>
+        <p:spPr>
+          <a:xfrm>
+            <a:off x="1198880" y="914400"/>
+            <a:ext cx="9799320" cy="721995"/>
+          </a:xfrm>
+        </p:spPr>
+        <p:txBody>
+          <a:bodyPr>
+            <a:normAutofit fontScale="90000"/>
+          </a:bodyPr>
+          <a:p>
+            <a:r>
+              <a:rPr lang="en-US" altLang="zh-CN" sz="4800"/>
+              <a:t>Unsolved problems</a:t>
+            </a:r>
+            <a:endParaRPr lang="en-US" altLang="zh-CN" sz="4800"/>
+          </a:p>
+        </p:txBody>
+      </p:sp>
+      <p:sp>
+        <p:nvSpPr>
+          <p:cNvPr id="3" name="副标题 2"/>
+          <p:cNvSpPr>
+            <a:spLocks noGrp="1"/>
+          </p:cNvSpPr>
+          <p:nvPr>
+            <p:ph type="subTitle" idx="1"/>
+            <p:custDataLst>
+              <p:tags r:id="rId2"/>
+            </p:custDataLst>
+          </p:nvPr>
+        </p:nvSpPr>
+        <p:spPr>
+          <a:xfrm>
+            <a:off x="1277620" y="1892300"/>
+            <a:ext cx="9799320" cy="3894455"/>
+          </a:xfrm>
+        </p:spPr>
+        <p:txBody>
+          <a:bodyPr>
+            <a:normAutofit/>
+          </a:bodyPr>
+          <a:p>
+            <a:pPr marL="285750" indent="-285750" algn="l">
+              <a:buFont typeface="Arial" panose="020B0604020202020204" pitchFamily="34" charset="0"/>
+              <a:buChar char="•"/>
+            </a:pPr>
+            <a:r>
+              <a:rPr lang="en-US" altLang="zh-CN"/>
+              <a:t>I failed to connect with COVID-19 and data of houses.</a:t>
+            </a:r>
+            <a:endParaRPr lang="en-US" altLang="zh-CN"/>
+          </a:p>
+          <a:p>
+            <a:pPr marL="285750" indent="-285750" algn="l">
+              <a:buFont typeface="Arial" panose="020B0604020202020204" pitchFamily="34" charset="0"/>
+              <a:buChar char="•"/>
+            </a:pPr>
+            <a:r>
+              <a:rPr lang="en-US" altLang="zh-CN"/>
+              <a:t>I can not show the correlation between them.</a:t>
+            </a:r>
+            <a:endParaRPr lang="en-US" altLang="zh-CN"/>
+          </a:p>
+          <a:p>
+            <a:pPr marL="285750" indent="-285750" algn="l">
+              <a:buFont typeface="Arial" panose="020B0604020202020204" pitchFamily="34" charset="0"/>
+              <a:buChar char="•"/>
+            </a:pPr>
+            <a:r>
+              <a:rPr lang="en-US" altLang="zh-CN"/>
+              <a:t>I only use two line charts to explain COVID-19 has affected price of houses.</a:t>
+            </a:r>
+            <a:endParaRPr lang="en-US" altLang="zh-CN"/>
+          </a:p>
+          <a:p>
+            <a:pPr marL="285750" indent="-285750" algn="l">
+              <a:buFont typeface="Arial" panose="020B0604020202020204" pitchFamily="34" charset="0"/>
+              <a:buChar char="•"/>
+            </a:pPr>
+            <a:endParaRPr lang="en-US" altLang="zh-CN"/>
+          </a:p>
+        </p:txBody>
+      </p:sp>
+    </p:spTree>
+    <p:custDataLst>
+      <p:tags r:id="rId3"/>
+    </p:custDataLst>
+  </p:cSld>
+  <p:clrMapOvr>
+    <a:masterClrMapping/>
+  </p:clrMapOvr>
+</p:sld>
+</file>
+
+<file path=ppt/slides/slide18.xml><?xml version="1.0" encoding="utf-8"?>
 <p:sld xmlns:a="http://schemas.openxmlformats.org/drawingml/2006/main" xmlns:r="http://schemas.openxmlformats.org/officeDocument/2006/relationships" xmlns:p="http://schemas.openxmlformats.org/presentationml/2006/main">
   <p:cSld>
     <p:spTree>
@@ -8312,6 +8482,73 @@
   <p:tag name="KSO_WM_UNIT_LAYERLEVEL" val="1"/>
   <p:tag name="KSO_WM_TAG_VERSION" val="1.0"/>
   <p:tag name="KSO_WM_BEAUTIFY_FLAG" val="#wm#"/>
+</p:tagLst>
+</file>
+
+<file path=ppt/tags/tag110.xml><?xml version="1.0" encoding="utf-8"?>
+<p:tagLst xmlns:p="http://schemas.openxmlformats.org/presentationml/2006/main">
+  <p:tag name="KSO_WM_UNIT_ISCONTENTSTITLE" val="0"/>
+  <p:tag name="KSO_WM_UNIT_ISNUMDGMTITLE" val="0"/>
+  <p:tag name="KSO_WM_UNIT_PRESET_TEXT" val="空白演示"/>
+  <p:tag name="KSO_WM_UNIT_NOCLEAR" val="0"/>
+  <p:tag name="KSO_WM_UNIT_SHOW_EDIT_AREA_INDICATION" val="1"/>
+  <p:tag name="KSO_WM_UNIT_VALUE" val="28"/>
+  <p:tag name="KSO_WM_UNIT_HIGHLIGHT" val="0"/>
+  <p:tag name="KSO_WM_UNIT_COMPATIBLE" val="0"/>
+  <p:tag name="KSO_WM_UNIT_DIAGRAM_ISNUMVISUAL" val="0"/>
+  <p:tag name="KSO_WM_UNIT_DIAGRAM_ISREFERUNIT" val="0"/>
+  <p:tag name="KSO_WM_UNIT_TYPE" val="a"/>
+  <p:tag name="KSO_WM_UNIT_INDEX" val="1"/>
+  <p:tag name="KSO_WM_UNIT_ID" val="custom20205176_1*a*1"/>
+  <p:tag name="KSO_WM_TEMPLATE_CATEGORY" val="custom"/>
+  <p:tag name="KSO_WM_TEMPLATE_INDEX" val="20205176"/>
+  <p:tag name="KSO_WM_UNIT_LAYERLEVEL" val="1"/>
+  <p:tag name="KSO_WM_TAG_VERSION" val="1.0"/>
+  <p:tag name="KSO_WM_BEAUTIFY_FLAG" val="#wm#"/>
+</p:tagLst>
+</file>
+
+<file path=ppt/tags/tag111.xml><?xml version="1.0" encoding="utf-8"?>
+<p:tagLst xmlns:p="http://schemas.openxmlformats.org/presentationml/2006/main">
+  <p:tag name="KSO_WM_UNIT_ISCONTENTSTITLE" val="0"/>
+  <p:tag name="KSO_WM_UNIT_ISNUMDGMTITLE" val="0"/>
+  <p:tag name="KSO_WM_UNIT_PRESET_TEXT" val="单击输入您的封面副标题"/>
+  <p:tag name="KSO_WM_UNIT_NOCLEAR" val="0"/>
+  <p:tag name="KSO_WM_UNIT_SHOW_EDIT_AREA_INDICATION" val="1"/>
+  <p:tag name="KSO_WM_UNIT_VALUE" val="111"/>
+  <p:tag name="KSO_WM_UNIT_HIGHLIGHT" val="0"/>
+  <p:tag name="KSO_WM_UNIT_COMPATIBLE" val="0"/>
+  <p:tag name="KSO_WM_UNIT_DIAGRAM_ISNUMVISUAL" val="0"/>
+  <p:tag name="KSO_WM_UNIT_DIAGRAM_ISREFERUNIT" val="0"/>
+  <p:tag name="KSO_WM_UNIT_TYPE" val="b"/>
+  <p:tag name="KSO_WM_UNIT_INDEX" val="1"/>
+  <p:tag name="KSO_WM_UNIT_ID" val="custom20205176_1*b*1"/>
+  <p:tag name="KSO_WM_TEMPLATE_CATEGORY" val="custom"/>
+  <p:tag name="KSO_WM_TEMPLATE_INDEX" val="20205176"/>
+  <p:tag name="KSO_WM_UNIT_LAYERLEVEL" val="1"/>
+  <p:tag name="KSO_WM_TAG_VERSION" val="1.0"/>
+  <p:tag name="KSO_WM_BEAUTIFY_FLAG" val="#wm#"/>
+</p:tagLst>
+</file>
+
+<file path=ppt/tags/tag112.xml><?xml version="1.0" encoding="utf-8"?>
+<p:tagLst xmlns:p="http://schemas.openxmlformats.org/presentationml/2006/main">
+  <p:tag name="KSO_WM_SLIDE_ID" val="custom20205176_1"/>
+  <p:tag name="KSO_WM_TEMPLATE_SUBCATEGORY" val="19"/>
+  <p:tag name="KSO_WM_TEMPLATE_MASTER_TYPE" val="0"/>
+  <p:tag name="KSO_WM_TEMPLATE_COLOR_TYPE" val="1"/>
+  <p:tag name="KSO_WM_SLIDE_TYPE" val="title"/>
+  <p:tag name="KSO_WM_SLIDE_SUBTYPE" val="defaultBlank"/>
+  <p:tag name="KSO_WM_SLIDE_ITEM_CNT" val="0"/>
+  <p:tag name="KSO_WM_SLIDE_INDEX" val="1"/>
+  <p:tag name="KSO_WM_TAG_VERSION" val="1.0"/>
+  <p:tag name="KSO_WM_BEAUTIFY_FLAG" val="#wm#"/>
+  <p:tag name="KSO_WM_TEMPLATE_CATEGORY" val="custom"/>
+  <p:tag name="KSO_WM_TEMPLATE_INDEX" val="20205176"/>
+  <p:tag name="KSO_WM_SLIDE_LAYOUT" val="a_b"/>
+  <p:tag name="KSO_WM_SLIDE_LAYOUT_CNT" val="1_1"/>
+  <p:tag name="KSO_WM_UNIT_SHOW_EDIT_AREA_INDICATION" val="1"/>
+  <p:tag name="KSO_WM_TEMPLATE_THUMBS_INDEX" val="1、4、7、12、13、14、15、16、17、18、20、24、25、28、33、36、40、43、44"/>
 </p:tagLst>
 </file>
 

--- a/Y_Wang_Final_Project_Presentation.pptx
+++ b/Y_Wang_Final_Project_Presentation.pptx
@@ -6932,9 +6932,57 @@
           </a:p>
         </p:txBody>
       </p:sp>
+      <p:pic>
+        <p:nvPicPr>
+          <p:cNvPr id="4" name="图片 3"/>
+          <p:cNvPicPr>
+            <a:picLocks noChangeAspect="1"/>
+          </p:cNvPicPr>
+          <p:nvPr/>
+        </p:nvPicPr>
+        <p:blipFill>
+          <a:blip r:embed="rId3"/>
+          <a:stretch>
+            <a:fillRect/>
+          </a:stretch>
+        </p:blipFill>
+        <p:spPr>
+          <a:xfrm>
+            <a:off x="2333625" y="3804920"/>
+            <a:ext cx="3246120" cy="2908935"/>
+          </a:xfrm>
+          <a:prstGeom prst="rect">
+            <a:avLst/>
+          </a:prstGeom>
+        </p:spPr>
+      </p:pic>
+      <p:pic>
+        <p:nvPicPr>
+          <p:cNvPr id="9" name="图片 8"/>
+          <p:cNvPicPr>
+            <a:picLocks noChangeAspect="1"/>
+          </p:cNvPicPr>
+          <p:nvPr/>
+        </p:nvPicPr>
+        <p:blipFill>
+          <a:blip r:embed="rId4"/>
+          <a:stretch>
+            <a:fillRect/>
+          </a:stretch>
+        </p:blipFill>
+        <p:spPr>
+          <a:xfrm>
+            <a:off x="6060440" y="3804920"/>
+            <a:ext cx="3226435" cy="2938145"/>
+          </a:xfrm>
+          <a:prstGeom prst="rect">
+            <a:avLst/>
+          </a:prstGeom>
+        </p:spPr>
+      </p:pic>
     </p:spTree>
     <p:custDataLst>
-      <p:tags r:id="rId3"/>
+      <p:tags r:id="rId5"/>
     </p:custDataLst>
   </p:cSld>
   <p:clrMapOvr>

--- a/Y_Wang_Final_Project_Presentation.pptx
+++ b/Y_Wang_Final_Project_Presentation.pptx
@@ -7034,7 +7034,7 @@
           <a:p>
             <a:r>
               <a:rPr lang="en-US" altLang="zh-CN" sz="4800"/>
-              <a:t>What technologies did I use</a:t>
+              <a:t>What technologies did I use?</a:t>
             </a:r>
             <a:endParaRPr lang="en-US" altLang="zh-CN" sz="4800"/>
           </a:p>

--- a/Y_Wang_Final_Project_Presentation.pptx
+++ b/Y_Wang_Final_Project_Presentation.pptx
@@ -979,12 +979,11 @@
               <a:rPr lang="en-US" altLang="zh-CN">
                 <a:sym typeface="+mn-ea"/>
               </a:rPr>
-              <a:t>The COVID-19 affects the price/sqft of big counties (New York and Los Angeles) obviously. </a:t>
-            </a:r>
-            <a:endParaRPr lang="en-US" altLang="zh-CN"/>
-          </a:p>
-          <a:p>
-            <a:endParaRPr lang="zh-CN" altLang="en-US"/>
+              <a:t>I use line charts to compare housing prices and daily cases of COVID-19 in three counties.</a:t>
+            </a:r>
+            <a:endParaRPr lang="en-US" altLang="zh-CN">
+              <a:sym typeface="+mn-ea"/>
+            </a:endParaRPr>
           </a:p>
         </p:txBody>
       </p:sp>
@@ -1156,7 +1155,11 @@
           <a:p>
             <a:r>
               <a:rPr lang="en-US" altLang="zh-CN"/>
-              <a:t>If I got data of all counties, this map can be a better visulazition.</a:t>
+              <a:t>If I got data from </a:t>
+            </a:r>
+            <a:r>
+              <a:rPr lang="en-US" altLang="zh-CN"/>
+              <a:t>all counties, this map can be a better visualization.</a:t>
             </a:r>
             <a:endParaRPr lang="en-US" altLang="zh-CN"/>
           </a:p>
@@ -1206,12 +1209,81 @@
               <a:rPr lang="en-US" altLang="zh-CN">
                 <a:sym typeface="+mn-ea"/>
               </a:rPr>
-              <a:t>The COVID-19 has a negative influence on the price/sqft of Condos and Multi-family, but it has a positive influence on the price/sqft of single-family from November.</a:t>
-            </a:r>
-            <a:endParaRPr lang="en-US" altLang="zh-CN"/>
-          </a:p>
-          <a:p>
-            <a:endParaRPr lang="zh-CN" altLang="en-US"/>
+              <a:t>The average price/sqft of Condo has been falling from over 590 to below 580 since June.</a:t>
+            </a:r>
+            <a:endParaRPr lang="en-US" altLang="zh-CN">
+              <a:sym typeface="+mn-ea"/>
+            </a:endParaRPr>
+          </a:p>
+          <a:p>
+            <a:endParaRPr lang="en-US" altLang="zh-CN">
+              <a:sym typeface="+mn-ea"/>
+            </a:endParaRPr>
+          </a:p>
+          <a:p>
+            <a:r>
+              <a:rPr lang="en-US" altLang="zh-CN">
+                <a:sym typeface="+mn-ea"/>
+              </a:rPr>
+              <a:t>The average price/sqft of Multi_family has been falling from over 409 to around 395 since June.</a:t>
+            </a:r>
+            <a:endParaRPr lang="en-US" altLang="zh-CN">
+              <a:sym typeface="+mn-ea"/>
+            </a:endParaRPr>
+          </a:p>
+          <a:p>
+            <a:endParaRPr lang="en-US" altLang="zh-CN">
+              <a:sym typeface="+mn-ea"/>
+            </a:endParaRPr>
+          </a:p>
+          <a:p>
+            <a:r>
+              <a:rPr lang="en-US" altLang="zh-CN">
+                <a:sym typeface="+mn-ea"/>
+              </a:rPr>
+              <a:t>The average price/sqft of Single_family has been increased to over 418 in March, but it has fallen to 411 in November. In December but it rose to 413.</a:t>
+            </a:r>
+            <a:endParaRPr lang="en-US" altLang="zh-CN">
+              <a:sym typeface="+mn-ea"/>
+            </a:endParaRPr>
+          </a:p>
+          <a:p>
+            <a:endParaRPr lang="en-US" altLang="zh-CN">
+              <a:sym typeface="+mn-ea"/>
+            </a:endParaRPr>
+          </a:p>
+          <a:p>
+            <a:r>
+              <a:rPr lang="en-US" altLang="zh-CN">
+                <a:solidFill>
+                  <a:srgbClr val="FF0000"/>
+                </a:solidFill>
+                <a:sym typeface="+mn-ea"/>
+              </a:rPr>
+              <a:t>The daily cases of COVID-19 show an upward trend. It has three peaks. </a:t>
+            </a:r>
+            <a:endParaRPr lang="en-US" altLang="zh-CN">
+              <a:solidFill>
+                <a:srgbClr val="FF0000"/>
+              </a:solidFill>
+              <a:sym typeface="+mn-ea"/>
+            </a:endParaRPr>
+          </a:p>
+          <a:p>
+            <a:endParaRPr lang="en-US" altLang="zh-CN">
+              <a:sym typeface="+mn-ea"/>
+            </a:endParaRPr>
+          </a:p>
+          <a:p>
+            <a:r>
+              <a:rPr lang="en-US" altLang="zh-CN">
+                <a:sym typeface="+mn-ea"/>
+              </a:rPr>
+              <a:t>The first peak is in the middle of April with around 40,000. The second peak is in the middle of July with around 75,000. The third is from late October to December with over 200,000.</a:t>
+            </a:r>
+            <a:endParaRPr lang="en-US" altLang="zh-CN">
+              <a:sym typeface="+mn-ea"/>
+            </a:endParaRPr>
           </a:p>
         </p:txBody>
       </p:sp>
@@ -5872,8 +5944,8 @@
         </p:nvSpPr>
         <p:spPr>
           <a:xfrm>
-            <a:off x="1198880" y="914400"/>
-            <a:ext cx="9799320" cy="1071245"/>
+            <a:off x="1310005" y="367030"/>
+            <a:ext cx="9799320" cy="497205"/>
           </a:xfrm>
         </p:spPr>
         <p:txBody>
@@ -5882,10 +5954,10 @@
           </a:bodyPr>
           <a:p>
             <a:r>
-              <a:rPr lang="en-US" altLang="zh-CN" sz="4800"/>
+              <a:rPr lang="en-US" altLang="zh-CN" sz="2665"/>
               <a:t>How to use API to get and store my target data?</a:t>
             </a:r>
-            <a:endParaRPr lang="en-US" altLang="zh-CN" sz="4800"/>
+            <a:endParaRPr lang="en-US" altLang="zh-CN" sz="2665"/>
           </a:p>
         </p:txBody>
       </p:sp>
@@ -5905,8 +5977,8 @@
         </p:blipFill>
         <p:spPr>
           <a:xfrm>
-            <a:off x="2159635" y="1918335"/>
-            <a:ext cx="7371080" cy="4895215"/>
+            <a:off x="1590040" y="827405"/>
+            <a:ext cx="9011920" cy="5986145"/>
           </a:xfrm>
           <a:prstGeom prst="rect">
             <a:avLst/>
@@ -6077,7 +6149,7 @@
         <p:spPr>
           <a:xfrm>
             <a:off x="5081905" y="3787775"/>
-            <a:ext cx="6152515" cy="3446145"/>
+            <a:ext cx="6152515" cy="3907790"/>
           </a:xfrm>
           <a:prstGeom prst="rect">
             <a:avLst/>
@@ -6142,7 +6214,23 @@
             </a:endParaRPr>
           </a:p>
           <a:p>
+            <a:r>
+              <a:rPr lang="en-US" altLang="zh-CN" sz="2400">
+                <a:solidFill>
+                  <a:schemeClr val="accent1">
+                    <a:lumMod val="75000"/>
+                  </a:schemeClr>
+                </a:solidFill>
+                <a:sym typeface="+mn-ea"/>
+              </a:rPr>
+              <a:t>227 unique houses have 2 history prices after 2019-01-01</a:t>
+            </a:r>
             <a:endParaRPr lang="en-US" altLang="zh-CN">
+              <a:solidFill>
+                <a:schemeClr val="accent1">
+                  <a:lumMod val="75000"/>
+                </a:schemeClr>
+              </a:solidFill>
               <a:sym typeface="+mn-ea"/>
             </a:endParaRPr>
           </a:p>
@@ -6897,7 +6985,7 @@
             </a:pPr>
             <a:r>
               <a:rPr lang="en-US" altLang="zh-CN"/>
-              <a:t>I failed to connect with COVID-19 and data of houses.</a:t>
+              <a:t>I failed to connect with COVID-19 and price of houses.</a:t>
             </a:r>
             <a:endParaRPr lang="en-US" altLang="zh-CN"/>
           </a:p>
@@ -8157,7 +8245,11 @@
             </a:br>
             <a:r>
               <a:rPr lang="en-US" altLang="zh-CN" sz="4445"/>
-              <a:t>What types of houses have been most affected, Muti-family, Single-family, or Condos?</a:t>
+              <a:t>What types of houses have been most affected, Mul</a:t>
+            </a:r>
+            <a:r>
+              <a:rPr lang="en-US" altLang="zh-CN" sz="4445"/>
+              <a:t>ti-family, Single-family, or Condos?</a:t>
             </a:r>
             <a:endParaRPr lang="en-US" altLang="zh-CN" sz="4445"/>
           </a:p>
@@ -8231,7 +8323,19 @@
               <a:rPr lang="zh-CN" altLang="en-US">
                 <a:sym typeface="+mn-ea"/>
               </a:rPr>
-              <a:t>The COVID-19 has a negative influence on the price/sqft of the condo. </a:t>
+              <a:t>The COVID-19 has a negative influence on the price/sqft of the condo </a:t>
+            </a:r>
+            <a:r>
+              <a:rPr lang="en-US" altLang="zh-CN">
+                <a:sym typeface="+mn-ea"/>
+              </a:rPr>
+              <a:t>in 2020</a:t>
+            </a:r>
+            <a:r>
+              <a:rPr lang="zh-CN" altLang="en-US">
+                <a:sym typeface="+mn-ea"/>
+              </a:rPr>
+              <a:t>. </a:t>
             </a:r>
             <a:endParaRPr lang="zh-CN" altLang="en-US">
               <a:sym typeface="+mn-ea"/>
@@ -8255,7 +8359,19 @@
               <a:rPr lang="zh-CN" altLang="en-US">
                 <a:sym typeface="+mn-ea"/>
               </a:rPr>
-              <a:t>The COVID-19 has a negative influence on the price/sqft of multi-family. </a:t>
+              <a:t>The COVID-19 has a negative influence on the price/sqft of multi-family </a:t>
+            </a:r>
+            <a:r>
+              <a:rPr lang="en-US" altLang="zh-CN">
+                <a:sym typeface="+mn-ea"/>
+              </a:rPr>
+              <a:t>in 2020</a:t>
+            </a:r>
+            <a:r>
+              <a:rPr lang="zh-CN" altLang="en-US">
+                <a:sym typeface="+mn-ea"/>
+              </a:rPr>
+              <a:t>. </a:t>
             </a:r>
             <a:endParaRPr lang="en-US" altLang="zh-CN"/>
           </a:p>

--- a/Y_Wang_Final_Project_Presentation.pptx
+++ b/Y_Wang_Final_Project_Presentation.pptx
@@ -1028,60 +1028,11 @@
           <a:bodyPr/>
           <a:p>
             <a:r>
-              <a:rPr lang="zh-CN" altLang="en-US"/>
-              <a:t>The COVID-19 has a positive influence on the </a:t>
-            </a:r>
-            <a:r>
-              <a:rPr lang="en-US" altLang="zh-CN"/>
-              <a:t>property </a:t>
-            </a:r>
-            <a:r>
-              <a:rPr lang="zh-CN" altLang="en-US"/>
-              <a:t>price/sqft of Los Angeles. With the daily cases increasing to over 7500 from early November. The property market is Rebounding. The price/sqft of Los Angeles is over 517.</a:t>
-            </a:r>
-            <a:endParaRPr lang="zh-CN" altLang="en-US"/>
-          </a:p>
-          <a:p>
-            <a:endParaRPr lang="zh-CN" altLang="en-US"/>
-          </a:p>
-          <a:p>
-            <a:r>
-              <a:rPr lang="zh-CN" altLang="en-US"/>
-              <a:t>The COVID-19 has a positive influence on the </a:t>
-            </a:r>
-            <a:r>
               <a:rPr lang="en-US" altLang="zh-CN">
                 <a:sym typeface="+mn-ea"/>
               </a:rPr>
-              <a:t>property </a:t>
-            </a:r>
-            <a:r>
-              <a:rPr lang="zh-CN" altLang="en-US"/>
-              <a:t>price/sqft of New York. From January to June, the </a:t>
-            </a:r>
-            <a:r>
-              <a:rPr lang="en-US" altLang="zh-CN">
-                <a:sym typeface="+mn-ea"/>
-              </a:rPr>
-              <a:t>property  </a:t>
-            </a:r>
-            <a:r>
-              <a:rPr lang="zh-CN" altLang="en-US"/>
-              <a:t>price/sqft of New York is stability, because COVID-19 is under better control. The daily cases are around 300 cases. The </a:t>
-            </a:r>
-            <a:r>
-              <a:rPr lang="en-US" altLang="zh-CN">
-                <a:sym typeface="+mn-ea"/>
-              </a:rPr>
-              <a:t>property</a:t>
-            </a:r>
-            <a:r>
-              <a:rPr lang="zh-CN" altLang="en-US"/>
-              <a:t> price/sqft of New York has fallen to 676 because the daily cases have increased to over 500.</a:t>
-            </a:r>
-            <a:endParaRPr lang="zh-CN" altLang="en-US"/>
-          </a:p>
-          <a:p>
+              <a:t>With the daily cases increasing, the property market is Rebounding in Los Angeles.</a:t>
+            </a:r>
             <a:endParaRPr lang="zh-CN" altLang="en-US"/>
           </a:p>
           <a:p>
@@ -6242,7 +6193,7 @@
                 </a:solidFill>
                 <a:sym typeface="+mn-ea"/>
               </a:rPr>
-              <a:t>I think that it is hard to make accurate predictions with these data. </a:t>
+              <a:t>I think that it is difficult to make accurate predictions with these data. </a:t>
             </a:r>
             <a:endParaRPr lang="en-US" altLang="zh-CN" sz="2800">
               <a:solidFill>
@@ -7795,7 +7746,7 @@
         </p:spPr>
         <p:txBody>
           <a:bodyPr>
-            <a:normAutofit fontScale="90000" lnSpcReduction="20000"/>
+            <a:normAutofit fontScale="80000"/>
           </a:bodyPr>
           <a:p>
             <a:pPr marL="285750" indent="-285750" algn="l">
@@ -7804,7 +7755,7 @@
             </a:pPr>
             <a:r>
               <a:rPr lang="en-US" altLang="zh-CN"/>
-              <a:t>The COVID-19 has a positive influence on the property price/sqft of Los Angeles. </a:t>
+              <a:t>The COVID-19 has a positive influence on the property price/sqft of Los Angeles from early November. </a:t>
             </a:r>
             <a:endParaRPr lang="en-US" altLang="zh-CN"/>
           </a:p>
@@ -7821,7 +7772,7 @@
             </a:pPr>
             <a:r>
               <a:rPr lang="en-US" altLang="zh-CN"/>
-              <a:t>The COVID-19 has a positive influence on the </a:t>
+              <a:t>The COVID-19 has a negative influence on the </a:t>
             </a:r>
             <a:r>
               <a:rPr lang="en-US" altLang="zh-CN">

--- a/Y_Wang_Final_Project_Presentation.pptx
+++ b/Y_Wang_Final_Project_Presentation.pptx
@@ -7870,7 +7870,7 @@
           <a:p>
             <a:r>
               <a:rPr lang="en-US" altLang="zh-CN" sz="5335"/>
-              <a:t>Rate of price change</a:t>
+              <a:t>price percentage change</a:t>
             </a:r>
             <a:endParaRPr lang="en-US" altLang="zh-CN" sz="5335"/>
           </a:p>
@@ -7967,7 +7967,7 @@
             </a:r>
             <a:r>
               <a:rPr lang="en-US" altLang="zh-CN" sz="3200"/>
-              <a:t>means the change rate is higher than other places.</a:t>
+              <a:t>means the percentage is higher than other places.</a:t>
             </a:r>
             <a:endParaRPr lang="en-US" altLang="zh-CN" sz="3200"/>
           </a:p>
